--- a/docs/pro.pptx
+++ b/docs/pro.pptx
@@ -33,6 +33,7 @@
     <p:sldId id="278" r:id="rId29"/>
     <p:sldId id="279" r:id="rId30"/>
     <p:sldId id="280" r:id="rId31"/>
+    <p:sldId id="281" r:id="rId32"/>
   </p:sldIdLst>
   <p:sldSz cy="6858000" cx="9144000"/>
   <p:notesSz cx="6797675" cy="9928225"/>
@@ -281,7 +282,7 @@
       </p15:sldGuideLst>
     </p:ext>
     <p:ext uri="http://customooxmlschemas.google.com/">
-      <go:slidesCustomData xmlns:go="http://customooxmlschemas.google.com/" r:id="rId32" roundtripDataSignature="AMtx7mj9Pel9bT4+Q0cWmb/LDyhLdb9YPA=="/>
+      <go:slidesCustomData xmlns:go="http://customooxmlschemas.google.com/" r:id="rId33" roundtripDataSignature="AMtx7mgMa3O93MbO8dIUBSnFDkz9jUqQUw=="/>
     </p:ext>
   </p:extLst>
 </p:presentation>
@@ -1648,7 +1649,7 @@
       </p:grpSpPr>
       <p:sp>
         <p:nvSpPr>
-          <p:cNvPr id="145" name="Google Shape;145;p4:notes"/>
+          <p:cNvPr id="145" name="Google Shape;145;g6c6e80e6db_7_0:notes"/>
           <p:cNvSpPr txBox="1"/>
           <p:nvPr>
             <p:ph idx="1" type="body"/>
@@ -1657,7 +1658,7 @@
         <p:spPr>
           <a:xfrm>
             <a:off x="906462" y="4718050"/>
-            <a:ext cx="4983162" cy="4179887"/>
+            <a:ext cx="4983300" cy="4179900"/>
           </a:xfrm>
           <a:prstGeom prst="rect">
             <a:avLst/>
@@ -1687,7 +1688,7 @@
       </p:sp>
       <p:sp>
         <p:nvSpPr>
-          <p:cNvPr id="146" name="Google Shape;146;p4:notes"/>
+          <p:cNvPr id="146" name="Google Shape;146;g6c6e80e6db_7_0:notes"/>
           <p:cNvSpPr/>
           <p:nvPr>
             <p:ph idx="2" type="sldImg"/>
@@ -1696,7 +1697,7 @@
         <p:spPr>
           <a:xfrm>
             <a:off x="1073150" y="860425"/>
-            <a:ext cx="4649787" cy="3486150"/>
+            <a:ext cx="4649700" cy="3486300"/>
           </a:xfrm>
           <a:custGeom>
             <a:rect b="b" l="l" r="r" t="t"/>
@@ -1733,7 +1734,7 @@
   <p:cSld>
     <p:spTree>
       <p:nvGrpSpPr>
-        <p:cNvPr id="149" name="Shape 149"/>
+        <p:cNvPr id="150" name="Shape 150"/>
         <p:cNvGrpSpPr/>
         <p:nvPr/>
       </p:nvGrpSpPr>
@@ -1747,7 +1748,7 @@
       </p:grpSpPr>
       <p:sp>
         <p:nvSpPr>
-          <p:cNvPr id="150" name="Google Shape;150;p5:notes"/>
+          <p:cNvPr id="151" name="Google Shape;151;p4:notes"/>
           <p:cNvSpPr txBox="1"/>
           <p:nvPr>
             <p:ph idx="1" type="body"/>
@@ -1786,7 +1787,7 @@
       </p:sp>
       <p:sp>
         <p:nvSpPr>
-          <p:cNvPr id="151" name="Google Shape;151;p5:notes"/>
+          <p:cNvPr id="152" name="Google Shape;152;p4:notes"/>
           <p:cNvSpPr/>
           <p:nvPr>
             <p:ph idx="2" type="sldImg"/>
@@ -1832,7 +1833,7 @@
   <p:cSld>
     <p:spTree>
       <p:nvGrpSpPr>
-        <p:cNvPr id="154" name="Shape 154"/>
+        <p:cNvPr id="155" name="Shape 155"/>
         <p:cNvGrpSpPr/>
         <p:nvPr/>
       </p:nvGrpSpPr>
@@ -1846,7 +1847,7 @@
       </p:grpSpPr>
       <p:sp>
         <p:nvSpPr>
-          <p:cNvPr id="155" name="Google Shape;155;p6:notes"/>
+          <p:cNvPr id="156" name="Google Shape;156;p5:notes"/>
           <p:cNvSpPr txBox="1"/>
           <p:nvPr>
             <p:ph idx="1" type="body"/>
@@ -1885,7 +1886,7 @@
       </p:sp>
       <p:sp>
         <p:nvSpPr>
-          <p:cNvPr id="156" name="Google Shape;156;p6:notes"/>
+          <p:cNvPr id="157" name="Google Shape;157;p5:notes"/>
           <p:cNvSpPr/>
           <p:nvPr>
             <p:ph idx="2" type="sldImg"/>
@@ -1931,7 +1932,7 @@
   <p:cSld>
     <p:spTree>
       <p:nvGrpSpPr>
-        <p:cNvPr id="159" name="Shape 159"/>
+        <p:cNvPr id="160" name="Shape 160"/>
         <p:cNvGrpSpPr/>
         <p:nvPr/>
       </p:nvGrpSpPr>
@@ -1945,7 +1946,7 @@
       </p:grpSpPr>
       <p:sp>
         <p:nvSpPr>
-          <p:cNvPr id="160" name="Google Shape;160;p7:notes"/>
+          <p:cNvPr id="161" name="Google Shape;161;p6:notes"/>
           <p:cNvSpPr txBox="1"/>
           <p:nvPr>
             <p:ph idx="1" type="body"/>
@@ -1984,7 +1985,7 @@
       </p:sp>
       <p:sp>
         <p:nvSpPr>
-          <p:cNvPr id="161" name="Google Shape;161;p7:notes"/>
+          <p:cNvPr id="162" name="Google Shape;162;p6:notes"/>
           <p:cNvSpPr/>
           <p:nvPr>
             <p:ph idx="2" type="sldImg"/>
@@ -2030,7 +2031,7 @@
   <p:cSld>
     <p:spTree>
       <p:nvGrpSpPr>
-        <p:cNvPr id="164" name="Shape 164"/>
+        <p:cNvPr id="165" name="Shape 165"/>
         <p:cNvGrpSpPr/>
         <p:nvPr/>
       </p:nvGrpSpPr>
@@ -2044,7 +2045,7 @@
       </p:grpSpPr>
       <p:sp>
         <p:nvSpPr>
-          <p:cNvPr id="165" name="Google Shape;165;p8:notes"/>
+          <p:cNvPr id="166" name="Google Shape;166;p7:notes"/>
           <p:cNvSpPr txBox="1"/>
           <p:nvPr>
             <p:ph idx="1" type="body"/>
@@ -2083,7 +2084,7 @@
       </p:sp>
       <p:sp>
         <p:nvSpPr>
-          <p:cNvPr id="166" name="Google Shape;166;p8:notes"/>
+          <p:cNvPr id="167" name="Google Shape;167;p7:notes"/>
           <p:cNvSpPr/>
           <p:nvPr>
             <p:ph idx="2" type="sldImg"/>
@@ -2129,7 +2130,7 @@
   <p:cSld>
     <p:spTree>
       <p:nvGrpSpPr>
-        <p:cNvPr id="169" name="Shape 169"/>
+        <p:cNvPr id="170" name="Shape 170"/>
         <p:cNvGrpSpPr/>
         <p:nvPr/>
       </p:nvGrpSpPr>
@@ -2143,7 +2144,7 @@
       </p:grpSpPr>
       <p:sp>
         <p:nvSpPr>
-          <p:cNvPr id="170" name="Google Shape;170;p9:notes"/>
+          <p:cNvPr id="171" name="Google Shape;171;p8:notes"/>
           <p:cNvSpPr txBox="1"/>
           <p:nvPr>
             <p:ph idx="1" type="body"/>
@@ -2182,7 +2183,7 @@
       </p:sp>
       <p:sp>
         <p:nvSpPr>
-          <p:cNvPr id="171" name="Google Shape;171;p9:notes"/>
+          <p:cNvPr id="172" name="Google Shape;172;p8:notes"/>
           <p:cNvSpPr/>
           <p:nvPr>
             <p:ph idx="2" type="sldImg"/>
@@ -2228,7 +2229,7 @@
   <p:cSld>
     <p:spTree>
       <p:nvGrpSpPr>
-        <p:cNvPr id="174" name="Shape 174"/>
+        <p:cNvPr id="175" name="Shape 175"/>
         <p:cNvGrpSpPr/>
         <p:nvPr/>
       </p:nvGrpSpPr>
@@ -2242,7 +2243,7 @@
       </p:grpSpPr>
       <p:sp>
         <p:nvSpPr>
-          <p:cNvPr id="175" name="Google Shape;175;p10:notes"/>
+          <p:cNvPr id="176" name="Google Shape;176;p9:notes"/>
           <p:cNvSpPr txBox="1"/>
           <p:nvPr>
             <p:ph idx="1" type="body"/>
@@ -2281,7 +2282,7 @@
       </p:sp>
       <p:sp>
         <p:nvSpPr>
-          <p:cNvPr id="176" name="Google Shape;176;p10:notes"/>
+          <p:cNvPr id="177" name="Google Shape;177;p9:notes"/>
           <p:cNvSpPr/>
           <p:nvPr>
             <p:ph idx="2" type="sldImg"/>
@@ -2327,7 +2328,7 @@
   <p:cSld>
     <p:spTree>
       <p:nvGrpSpPr>
-        <p:cNvPr id="179" name="Shape 179"/>
+        <p:cNvPr id="180" name="Shape 180"/>
         <p:cNvGrpSpPr/>
         <p:nvPr/>
       </p:nvGrpSpPr>
@@ -2341,7 +2342,7 @@
       </p:grpSpPr>
       <p:sp>
         <p:nvSpPr>
-          <p:cNvPr id="180" name="Google Shape;180;p11:notes"/>
+          <p:cNvPr id="181" name="Google Shape;181;p10:notes"/>
           <p:cNvSpPr txBox="1"/>
           <p:nvPr>
             <p:ph idx="1" type="body"/>
@@ -2380,7 +2381,7 @@
       </p:sp>
       <p:sp>
         <p:nvSpPr>
-          <p:cNvPr id="181" name="Google Shape;181;p11:notes"/>
+          <p:cNvPr id="182" name="Google Shape;182;p10:notes"/>
           <p:cNvSpPr/>
           <p:nvPr>
             <p:ph idx="2" type="sldImg"/>
@@ -2426,7 +2427,7 @@
   <p:cSld>
     <p:spTree>
       <p:nvGrpSpPr>
-        <p:cNvPr id="186" name="Shape 186"/>
+        <p:cNvPr id="185" name="Shape 185"/>
         <p:cNvGrpSpPr/>
         <p:nvPr/>
       </p:nvGrpSpPr>
@@ -2440,7 +2441,7 @@
       </p:grpSpPr>
       <p:sp>
         <p:nvSpPr>
-          <p:cNvPr id="187" name="Google Shape;187;p12:notes"/>
+          <p:cNvPr id="186" name="Google Shape;186;p11:notes"/>
           <p:cNvSpPr txBox="1"/>
           <p:nvPr>
             <p:ph idx="1" type="body"/>
@@ -2479,7 +2480,7 @@
       </p:sp>
       <p:sp>
         <p:nvSpPr>
-          <p:cNvPr id="188" name="Google Shape;188;p12:notes"/>
+          <p:cNvPr id="187" name="Google Shape;187;p11:notes"/>
           <p:cNvSpPr/>
           <p:nvPr>
             <p:ph idx="2" type="sldImg"/>
@@ -2539,7 +2540,7 @@
       </p:grpSpPr>
       <p:sp>
         <p:nvSpPr>
-          <p:cNvPr id="193" name="Google Shape;193;p13:notes"/>
+          <p:cNvPr id="193" name="Google Shape;193;p12:notes"/>
           <p:cNvSpPr txBox="1"/>
           <p:nvPr>
             <p:ph idx="1" type="body"/>
@@ -2578,7 +2579,7 @@
       </p:sp>
       <p:sp>
         <p:nvSpPr>
-          <p:cNvPr id="194" name="Google Shape;194;p13:notes"/>
+          <p:cNvPr id="194" name="Google Shape;194;p12:notes"/>
           <p:cNvSpPr/>
           <p:nvPr>
             <p:ph idx="2" type="sldImg"/>
@@ -2737,7 +2738,7 @@
       </p:grpSpPr>
       <p:sp>
         <p:nvSpPr>
-          <p:cNvPr id="199" name="Google Shape;199;p14:notes"/>
+          <p:cNvPr id="199" name="Google Shape;199;p13:notes"/>
           <p:cNvSpPr txBox="1"/>
           <p:nvPr>
             <p:ph idx="1" type="body"/>
@@ -2776,7 +2777,7 @@
       </p:sp>
       <p:sp>
         <p:nvSpPr>
-          <p:cNvPr id="200" name="Google Shape;200;p14:notes"/>
+          <p:cNvPr id="200" name="Google Shape;200;p13:notes"/>
           <p:cNvSpPr/>
           <p:nvPr>
             <p:ph idx="2" type="sldImg"/>
@@ -2822,7 +2823,7 @@
   <p:cSld>
     <p:spTree>
       <p:nvGrpSpPr>
-        <p:cNvPr id="206" name="Shape 206"/>
+        <p:cNvPr id="204" name="Shape 204"/>
         <p:cNvGrpSpPr/>
         <p:nvPr/>
       </p:nvGrpSpPr>
@@ -2836,7 +2837,7 @@
       </p:grpSpPr>
       <p:sp>
         <p:nvSpPr>
-          <p:cNvPr id="207" name="Google Shape;207;p15:notes"/>
+          <p:cNvPr id="205" name="Google Shape;205;p14:notes"/>
           <p:cNvSpPr txBox="1"/>
           <p:nvPr>
             <p:ph idx="1" type="body"/>
@@ -2875,7 +2876,7 @@
       </p:sp>
       <p:sp>
         <p:nvSpPr>
-          <p:cNvPr id="208" name="Google Shape;208;p15:notes"/>
+          <p:cNvPr id="206" name="Google Shape;206;p14:notes"/>
           <p:cNvSpPr/>
           <p:nvPr>
             <p:ph idx="2" type="sldImg"/>
@@ -2935,7 +2936,7 @@
       </p:grpSpPr>
       <p:sp>
         <p:nvSpPr>
-          <p:cNvPr id="213" name="Google Shape;213;p16:notes"/>
+          <p:cNvPr id="213" name="Google Shape;213;p15:notes"/>
           <p:cNvSpPr txBox="1"/>
           <p:nvPr>
             <p:ph idx="1" type="body"/>
@@ -2974,7 +2975,7 @@
       </p:sp>
       <p:sp>
         <p:nvSpPr>
-          <p:cNvPr id="214" name="Google Shape;214;p16:notes"/>
+          <p:cNvPr id="214" name="Google Shape;214;p15:notes"/>
           <p:cNvSpPr/>
           <p:nvPr>
             <p:ph idx="2" type="sldImg"/>
@@ -3020,7 +3021,7 @@
   <p:cSld>
     <p:spTree>
       <p:nvGrpSpPr>
-        <p:cNvPr id="225" name="Shape 225"/>
+        <p:cNvPr id="218" name="Shape 218"/>
         <p:cNvGrpSpPr/>
         <p:nvPr/>
       </p:nvGrpSpPr>
@@ -3034,7 +3035,7 @@
       </p:grpSpPr>
       <p:sp>
         <p:nvSpPr>
-          <p:cNvPr id="226" name="Google Shape;226;p17:notes"/>
+          <p:cNvPr id="219" name="Google Shape;219;p16:notes"/>
           <p:cNvSpPr txBox="1"/>
           <p:nvPr>
             <p:ph idx="1" type="body"/>
@@ -3073,7 +3074,7 @@
       </p:sp>
       <p:sp>
         <p:nvSpPr>
-          <p:cNvPr id="227" name="Google Shape;227;p17:notes"/>
+          <p:cNvPr id="220" name="Google Shape;220;p16:notes"/>
           <p:cNvSpPr/>
           <p:nvPr>
             <p:ph idx="2" type="sldImg"/>
@@ -3133,7 +3134,7 @@
       </p:grpSpPr>
       <p:sp>
         <p:nvSpPr>
-          <p:cNvPr id="232" name="Google Shape;232;p18:notes"/>
+          <p:cNvPr id="232" name="Google Shape;232;p17:notes"/>
           <p:cNvSpPr txBox="1"/>
           <p:nvPr>
             <p:ph idx="1" type="body"/>
@@ -3172,7 +3173,7 @@
       </p:sp>
       <p:sp>
         <p:nvSpPr>
-          <p:cNvPr id="233" name="Google Shape;233;p18:notes"/>
+          <p:cNvPr id="233" name="Google Shape;233;p17:notes"/>
           <p:cNvSpPr/>
           <p:nvPr>
             <p:ph idx="2" type="sldImg"/>
@@ -3232,7 +3233,7 @@
       </p:grpSpPr>
       <p:sp>
         <p:nvSpPr>
-          <p:cNvPr id="238" name="Google Shape;238;p19:notes"/>
+          <p:cNvPr id="238" name="Google Shape;238;p18:notes"/>
           <p:cNvSpPr txBox="1"/>
           <p:nvPr>
             <p:ph idx="1" type="body"/>
@@ -3271,7 +3272,106 @@
       </p:sp>
       <p:sp>
         <p:nvSpPr>
-          <p:cNvPr id="239" name="Google Shape;239;p19:notes"/>
+          <p:cNvPr id="239" name="Google Shape;239;p18:notes"/>
+          <p:cNvSpPr/>
+          <p:nvPr>
+            <p:ph idx="2" type="sldImg"/>
+          </p:nvPr>
+        </p:nvSpPr>
+        <p:spPr>
+          <a:xfrm>
+            <a:off x="1073150" y="860425"/>
+            <a:ext cx="4649787" cy="3486150"/>
+          </a:xfrm>
+          <a:custGeom>
+            <a:rect b="b" l="l" r="r" t="t"/>
+            <a:pathLst>
+              <a:path extrusionOk="0" h="120000" w="120000">
+                <a:moveTo>
+                  <a:pt x="0" y="0"/>
+                </a:moveTo>
+                <a:lnTo>
+                  <a:pt x="120000" y="0"/>
+                </a:lnTo>
+                <a:lnTo>
+                  <a:pt x="120000" y="120000"/>
+                </a:lnTo>
+                <a:lnTo>
+                  <a:pt x="0" y="120000"/>
+                </a:lnTo>
+                <a:close/>
+              </a:path>
+            </a:pathLst>
+          </a:custGeom>
+        </p:spPr>
+      </p:sp>
+    </p:spTree>
+  </p:cSld>
+  <p:clrMapOvr>
+    <a:masterClrMapping/>
+  </p:clrMapOvr>
+</p:notes>
+</file>
+
+<file path=ppt/notesSlides/notesSlide26.xml><?xml version="1.0" encoding="utf-8"?>
+<p:notes xmlns:a="http://schemas.openxmlformats.org/drawingml/2006/main" xmlns:r="http://schemas.openxmlformats.org/officeDocument/2006/relationships" xmlns:mc="http://schemas.openxmlformats.org/markup-compatibility/2006" xmlns:mv="urn:schemas-microsoft-com:mac:vml" xmlns:p="http://schemas.openxmlformats.org/presentationml/2006/main" xmlns:c="http://schemas.openxmlformats.org/drawingml/2006/chart" xmlns:dgm="http://schemas.openxmlformats.org/drawingml/2006/diagram" xmlns:o="urn:schemas-microsoft-com:office:office" xmlns:v="urn:schemas-microsoft-com:vml" xmlns:pvml="urn:schemas-microsoft-com:office:powerpoint" xmlns:com="http://schemas.openxmlformats.org/drawingml/2006/compatibility" xmlns:p14="http://schemas.microsoft.com/office/powerpoint/2010/main" xmlns:p15="http://schemas.microsoft.com/office/powerpoint/2012/main" showMasterPhAnim="0" showMasterSp="0">
+  <p:cSld>
+    <p:spTree>
+      <p:nvGrpSpPr>
+        <p:cNvPr id="243" name="Shape 243"/>
+        <p:cNvGrpSpPr/>
+        <p:nvPr/>
+      </p:nvGrpSpPr>
+      <p:grpSpPr>
+        <a:xfrm>
+          <a:off x="0" y="0"/>
+          <a:ext cx="0" cy="0"/>
+          <a:chOff x="0" y="0"/>
+          <a:chExt cx="0" cy="0"/>
+        </a:xfrm>
+      </p:grpSpPr>
+      <p:sp>
+        <p:nvSpPr>
+          <p:cNvPr id="244" name="Google Shape;244;p19:notes"/>
+          <p:cNvSpPr txBox="1"/>
+          <p:nvPr>
+            <p:ph idx="1" type="body"/>
+          </p:nvPr>
+        </p:nvSpPr>
+        <p:spPr>
+          <a:xfrm>
+            <a:off x="906462" y="4718050"/>
+            <a:ext cx="4983162" cy="4179887"/>
+          </a:xfrm>
+          <a:prstGeom prst="rect">
+            <a:avLst/>
+          </a:prstGeom>
+        </p:spPr>
+        <p:txBody>
+          <a:bodyPr anchorCtr="0" anchor="t" bIns="46225" lIns="92450" spcFirstLastPara="1" rIns="92450" wrap="square" tIns="46225">
+            <a:noAutofit/>
+          </a:bodyPr>
+          <a:lstStyle/>
+          <a:p>
+            <a:pPr indent="0" lvl="0" marL="0" rtl="0" algn="l">
+              <a:spcBef>
+                <a:spcPts val="0"/>
+              </a:spcBef>
+              <a:spcAft>
+                <a:spcPts val="0"/>
+              </a:spcAft>
+              <a:buNone/>
+            </a:pPr>
+            <a:r>
+              <a:t/>
+            </a:r>
+            <a:endParaRPr/>
+          </a:p>
+        </p:txBody>
+      </p:sp>
+      <p:sp>
+        <p:nvSpPr>
+          <p:cNvPr id="245" name="Google Shape;245;p19:notes"/>
           <p:cNvSpPr/>
           <p:nvPr>
             <p:ph idx="2" type="sldImg"/>
@@ -16767,7 +16867,7 @@
       </p:grpSpPr>
       <p:sp>
         <p:nvSpPr>
-          <p:cNvPr id="148" name="Google Shape;148;p4"/>
+          <p:cNvPr id="148" name="Google Shape;148;g6c6e80e6db_7_0"/>
           <p:cNvSpPr txBox="1"/>
           <p:nvPr>
             <p:ph type="title"/>
@@ -16819,12 +16919,2651 @@
                 <a:cs typeface="Gulimche"/>
                 <a:sym typeface="Gulimche"/>
               </a:rPr>
-              <a:t>기능정의서</a:t>
+              <a:t>시스템 요구 정의</a:t>
             </a:r>
             <a:endParaRPr/>
           </a:p>
         </p:txBody>
       </p:sp>
+      <p:graphicFrame>
+        <p:nvGraphicFramePr>
+          <p:cNvPr id="149" name="Google Shape;149;g6c6e80e6db_7_0"/>
+          <p:cNvGraphicFramePr/>
+          <p:nvPr/>
+        </p:nvGraphicFramePr>
+        <p:xfrm>
+          <a:off x="294663" y="1189575"/>
+          <a:ext cx="3000000" cy="3000000"/>
+        </p:xfrm>
+        <a:graphic>
+          <a:graphicData uri="http://schemas.openxmlformats.org/drawingml/2006/table">
+            <a:tbl>
+              <a:tblPr>
+                <a:noFill/>
+                <a:tableStyleId>{49F9C239-C741-4F9E-BABB-F980A697429C}</a:tableStyleId>
+              </a:tblPr>
+              <a:tblGrid>
+                <a:gridCol w="394100"/>
+                <a:gridCol w="1096500"/>
+                <a:gridCol w="701575"/>
+                <a:gridCol w="917275"/>
+                <a:gridCol w="2107950"/>
+                <a:gridCol w="3402100"/>
+              </a:tblGrid>
+              <a:tr h="337375">
+                <a:tc gridSpan="4">
+                  <a:txBody>
+                    <a:bodyPr/>
+                    <a:lstStyle/>
+                    <a:p>
+                      <a:pPr indent="0" lvl="0" marL="0" marR="0" rtl="0" algn="ctr">
+                        <a:lnSpc>
+                          <a:spcPct val="100000"/>
+                        </a:lnSpc>
+                        <a:spcBef>
+                          <a:spcPts val="0"/>
+                        </a:spcBef>
+                        <a:spcAft>
+                          <a:spcPts val="0"/>
+                        </a:spcAft>
+                        <a:buClr>
+                          <a:srgbClr val="FFFFFF"/>
+                        </a:buClr>
+                        <a:buSzPts val="1200"/>
+                        <a:buFont typeface="Dotumche"/>
+                        <a:buNone/>
+                      </a:pPr>
+                      <a:r>
+                        <a:rPr b="1" i="0" lang="en-US" sz="1200" u="none" cap="none" strike="noStrike">
+                          <a:solidFill>
+                            <a:srgbClr val="FFFFFF"/>
+                          </a:solidFill>
+                          <a:latin typeface="Dotumche"/>
+                          <a:ea typeface="Dotumche"/>
+                          <a:cs typeface="Dotumche"/>
+                          <a:sym typeface="Dotumche"/>
+                        </a:rPr>
+                        <a:t>서비스 구분</a:t>
+                      </a:r>
+                      <a:endParaRPr/>
+                    </a:p>
+                  </a:txBody>
+                  <a:tcPr marT="45725" marB="45725" marR="91425" marL="91425">
+                    <a:lnL cap="flat" cmpd="sng" w="12700">
+                      <a:solidFill>
+                        <a:schemeClr val="lt1"/>
+                      </a:solidFill>
+                      <a:prstDash val="solid"/>
+                      <a:round/>
+                      <a:headEnd len="sm" w="sm" type="none"/>
+                      <a:tailEnd len="sm" w="sm" type="none"/>
+                    </a:lnL>
+                    <a:lnR cap="flat" cmpd="sng" w="12700">
+                      <a:solidFill>
+                        <a:schemeClr val="lt1"/>
+                      </a:solidFill>
+                      <a:prstDash val="solid"/>
+                      <a:round/>
+                      <a:headEnd len="sm" w="sm" type="none"/>
+                      <a:tailEnd len="sm" w="sm" type="none"/>
+                    </a:lnR>
+                    <a:lnT cap="flat" cmpd="sng" w="12700">
+                      <a:solidFill>
+                        <a:schemeClr val="lt1"/>
+                      </a:solidFill>
+                      <a:prstDash val="solid"/>
+                      <a:round/>
+                      <a:headEnd len="sm" w="sm" type="none"/>
+                      <a:tailEnd len="sm" w="sm" type="none"/>
+                    </a:lnT>
+                    <a:lnB cap="flat" cmpd="sng" w="38100">
+                      <a:solidFill>
+                        <a:schemeClr val="lt1"/>
+                      </a:solidFill>
+                      <a:prstDash val="solid"/>
+                      <a:round/>
+                      <a:headEnd len="sm" w="sm" type="none"/>
+                      <a:tailEnd len="sm" w="sm" type="none"/>
+                    </a:lnB>
+                    <a:solidFill>
+                      <a:schemeClr val="accent2"/>
+                    </a:solidFill>
+                  </a:tcPr>
+                </a:tc>
+                <a:tc hMerge="1"/>
+                <a:tc hMerge="1"/>
+                <a:tc hMerge="1"/>
+                <a:tc gridSpan="2">
+                  <a:txBody>
+                    <a:bodyPr/>
+                    <a:lstStyle/>
+                    <a:p>
+                      <a:pPr indent="0" lvl="0" marL="0" marR="0" rtl="0" algn="ctr">
+                        <a:lnSpc>
+                          <a:spcPct val="100000"/>
+                        </a:lnSpc>
+                        <a:spcBef>
+                          <a:spcPts val="0"/>
+                        </a:spcBef>
+                        <a:spcAft>
+                          <a:spcPts val="0"/>
+                        </a:spcAft>
+                        <a:buClr>
+                          <a:srgbClr val="FFFFFF"/>
+                        </a:buClr>
+                        <a:buSzPts val="1200"/>
+                        <a:buFont typeface="Dotumche"/>
+                        <a:buNone/>
+                      </a:pPr>
+                      <a:r>
+                        <a:rPr b="1" i="0" lang="en-US" sz="1200" u="none" cap="none" strike="noStrike">
+                          <a:solidFill>
+                            <a:srgbClr val="FFFFFF"/>
+                          </a:solidFill>
+                          <a:latin typeface="Dotumche"/>
+                          <a:ea typeface="Dotumche"/>
+                          <a:cs typeface="Dotumche"/>
+                          <a:sym typeface="Dotumche"/>
+                        </a:rPr>
+                        <a:t>구현방안</a:t>
+                      </a:r>
+                      <a:endParaRPr/>
+                    </a:p>
+                  </a:txBody>
+                  <a:tcPr marT="45725" marB="45725" marR="91425" marL="91425">
+                    <a:lnL cap="flat" cmpd="sng" w="12700">
+                      <a:solidFill>
+                        <a:schemeClr val="lt1"/>
+                      </a:solidFill>
+                      <a:prstDash val="solid"/>
+                      <a:round/>
+                      <a:headEnd len="sm" w="sm" type="none"/>
+                      <a:tailEnd len="sm" w="sm" type="none"/>
+                    </a:lnL>
+                    <a:lnR cap="flat" cmpd="sng" w="12700">
+                      <a:solidFill>
+                        <a:schemeClr val="lt1"/>
+                      </a:solidFill>
+                      <a:prstDash val="solid"/>
+                      <a:round/>
+                      <a:headEnd len="sm" w="sm" type="none"/>
+                      <a:tailEnd len="sm" w="sm" type="none"/>
+                    </a:lnR>
+                    <a:lnT cap="flat" cmpd="sng" w="12700">
+                      <a:solidFill>
+                        <a:schemeClr val="lt1"/>
+                      </a:solidFill>
+                      <a:prstDash val="solid"/>
+                      <a:round/>
+                      <a:headEnd len="sm" w="sm" type="none"/>
+                      <a:tailEnd len="sm" w="sm" type="none"/>
+                    </a:lnT>
+                    <a:lnB cap="flat" cmpd="sng" w="38100">
+                      <a:solidFill>
+                        <a:schemeClr val="lt1"/>
+                      </a:solidFill>
+                      <a:prstDash val="solid"/>
+                      <a:round/>
+                      <a:headEnd len="sm" w="sm" type="none"/>
+                      <a:tailEnd len="sm" w="sm" type="none"/>
+                    </a:lnB>
+                    <a:solidFill>
+                      <a:schemeClr val="accent2"/>
+                    </a:solidFill>
+                  </a:tcPr>
+                </a:tc>
+                <a:tc hMerge="1"/>
+              </a:tr>
+              <a:tr h="430700">
+                <a:tc>
+                  <a:txBody>
+                    <a:bodyPr/>
+                    <a:lstStyle/>
+                    <a:p>
+                      <a:pPr indent="0" lvl="0" marL="0" marR="0" rtl="0" algn="ctr">
+                        <a:lnSpc>
+                          <a:spcPct val="100000"/>
+                        </a:lnSpc>
+                        <a:spcBef>
+                          <a:spcPts val="0"/>
+                        </a:spcBef>
+                        <a:spcAft>
+                          <a:spcPts val="0"/>
+                        </a:spcAft>
+                        <a:buClr>
+                          <a:srgbClr val="000000"/>
+                        </a:buClr>
+                        <a:buSzPts val="1200"/>
+                        <a:buFont typeface="Dotumche"/>
+                        <a:buNone/>
+                      </a:pPr>
+                      <a:r>
+                        <a:rPr b="0" i="0" lang="en-US" sz="1200" u="none" cap="none" strike="noStrike">
+                          <a:solidFill>
+                            <a:srgbClr val="000000"/>
+                          </a:solidFill>
+                          <a:latin typeface="Dotumche"/>
+                          <a:ea typeface="Dotumche"/>
+                          <a:cs typeface="Dotumche"/>
+                          <a:sym typeface="Dotumche"/>
+                        </a:rPr>
+                        <a:t>유형</a:t>
+                      </a:r>
+                      <a:endParaRPr/>
+                    </a:p>
+                  </a:txBody>
+                  <a:tcPr marT="45725" marB="45725" marR="91425" marL="91425">
+                    <a:lnL cap="flat" cmpd="sng" w="12700">
+                      <a:solidFill>
+                        <a:schemeClr val="lt1"/>
+                      </a:solidFill>
+                      <a:prstDash val="solid"/>
+                      <a:round/>
+                      <a:headEnd len="sm" w="sm" type="none"/>
+                      <a:tailEnd len="sm" w="sm" type="none"/>
+                    </a:lnL>
+                    <a:lnR cap="flat" cmpd="sng" w="12700">
+                      <a:solidFill>
+                        <a:schemeClr val="lt1"/>
+                      </a:solidFill>
+                      <a:prstDash val="solid"/>
+                      <a:round/>
+                      <a:headEnd len="sm" w="sm" type="none"/>
+                      <a:tailEnd len="sm" w="sm" type="none"/>
+                    </a:lnR>
+                    <a:lnT cap="flat" cmpd="sng" w="38100">
+                      <a:solidFill>
+                        <a:schemeClr val="lt1"/>
+                      </a:solidFill>
+                      <a:prstDash val="solid"/>
+                      <a:round/>
+                      <a:headEnd len="sm" w="sm" type="none"/>
+                      <a:tailEnd len="sm" w="sm" type="none"/>
+                    </a:lnT>
+                    <a:lnB cap="flat" cmpd="sng" w="12700">
+                      <a:solidFill>
+                        <a:schemeClr val="lt1"/>
+                      </a:solidFill>
+                      <a:prstDash val="solid"/>
+                      <a:round/>
+                      <a:headEnd len="sm" w="sm" type="none"/>
+                      <a:tailEnd len="sm" w="sm" type="none"/>
+                    </a:lnB>
+                    <a:solidFill>
+                      <a:srgbClr val="CCCCCC"/>
+                    </a:solidFill>
+                  </a:tcPr>
+                </a:tc>
+                <a:tc>
+                  <a:txBody>
+                    <a:bodyPr/>
+                    <a:lstStyle/>
+                    <a:p>
+                      <a:pPr indent="0" lvl="0" marL="0" marR="0" rtl="0" algn="ctr">
+                        <a:lnSpc>
+                          <a:spcPct val="100000"/>
+                        </a:lnSpc>
+                        <a:spcBef>
+                          <a:spcPts val="0"/>
+                        </a:spcBef>
+                        <a:spcAft>
+                          <a:spcPts val="0"/>
+                        </a:spcAft>
+                        <a:buClr>
+                          <a:srgbClr val="000000"/>
+                        </a:buClr>
+                        <a:buSzPts val="1200"/>
+                        <a:buFont typeface="Dotumche"/>
+                        <a:buNone/>
+                      </a:pPr>
+                      <a:r>
+                        <a:rPr b="0" i="0" lang="en-US" sz="1200" u="none" cap="none" strike="noStrike">
+                          <a:solidFill>
+                            <a:srgbClr val="000000"/>
+                          </a:solidFill>
+                          <a:latin typeface="Dotumche"/>
+                          <a:ea typeface="Dotumche"/>
+                          <a:cs typeface="Dotumche"/>
+                          <a:sym typeface="Dotumche"/>
+                        </a:rPr>
+                        <a:t>요구사항ID</a:t>
+                      </a:r>
+                      <a:endParaRPr/>
+                    </a:p>
+                  </a:txBody>
+                  <a:tcPr marT="45725" marB="45725" marR="91425" marL="91425">
+                    <a:lnL cap="flat" cmpd="sng" w="12700">
+                      <a:solidFill>
+                        <a:schemeClr val="lt1"/>
+                      </a:solidFill>
+                      <a:prstDash val="solid"/>
+                      <a:round/>
+                      <a:headEnd len="sm" w="sm" type="none"/>
+                      <a:tailEnd len="sm" w="sm" type="none"/>
+                    </a:lnL>
+                    <a:lnR cap="flat" cmpd="sng" w="12700">
+                      <a:solidFill>
+                        <a:schemeClr val="lt1"/>
+                      </a:solidFill>
+                      <a:prstDash val="solid"/>
+                      <a:round/>
+                      <a:headEnd len="sm" w="sm" type="none"/>
+                      <a:tailEnd len="sm" w="sm" type="none"/>
+                    </a:lnR>
+                    <a:lnT cap="flat" cmpd="sng" w="38100">
+                      <a:solidFill>
+                        <a:schemeClr val="lt1"/>
+                      </a:solidFill>
+                      <a:prstDash val="solid"/>
+                      <a:round/>
+                      <a:headEnd len="sm" w="sm" type="none"/>
+                      <a:tailEnd len="sm" w="sm" type="none"/>
+                    </a:lnT>
+                    <a:lnB cap="flat" cmpd="sng" w="9525">
+                      <a:solidFill>
+                        <a:srgbClr val="FFFFFF"/>
+                      </a:solidFill>
+                      <a:prstDash val="solid"/>
+                      <a:round/>
+                      <a:headEnd len="sm" w="sm" type="none"/>
+                      <a:tailEnd len="sm" w="sm" type="none"/>
+                    </a:lnB>
+                    <a:solidFill>
+                      <a:srgbClr val="CCCCCC"/>
+                    </a:solidFill>
+                  </a:tcPr>
+                </a:tc>
+                <a:tc>
+                  <a:txBody>
+                    <a:bodyPr/>
+                    <a:lstStyle/>
+                    <a:p>
+                      <a:pPr indent="0" lvl="0" marL="0" marR="0" rtl="0" algn="ctr">
+                        <a:lnSpc>
+                          <a:spcPct val="100000"/>
+                        </a:lnSpc>
+                        <a:spcBef>
+                          <a:spcPts val="0"/>
+                        </a:spcBef>
+                        <a:spcAft>
+                          <a:spcPts val="0"/>
+                        </a:spcAft>
+                        <a:buClr>
+                          <a:srgbClr val="000000"/>
+                        </a:buClr>
+                        <a:buSzPts val="1200"/>
+                        <a:buFont typeface="Dotumche"/>
+                        <a:buNone/>
+                      </a:pPr>
+                      <a:r>
+                        <a:rPr b="0" i="0" lang="en-US" sz="1200" u="none" cap="none" strike="noStrike">
+                          <a:solidFill>
+                            <a:srgbClr val="000000"/>
+                          </a:solidFill>
+                          <a:latin typeface="Dotumche"/>
+                          <a:ea typeface="Dotumche"/>
+                          <a:cs typeface="Dotumche"/>
+                          <a:sym typeface="Dotumche"/>
+                        </a:rPr>
+                        <a:t>분류</a:t>
+                      </a:r>
+                      <a:endParaRPr/>
+                    </a:p>
+                  </a:txBody>
+                  <a:tcPr marT="45725" marB="45725" marR="91425" marL="91425">
+                    <a:lnL cap="flat" cmpd="sng" w="12700">
+                      <a:solidFill>
+                        <a:schemeClr val="lt1"/>
+                      </a:solidFill>
+                      <a:prstDash val="solid"/>
+                      <a:round/>
+                      <a:headEnd len="sm" w="sm" type="none"/>
+                      <a:tailEnd len="sm" w="sm" type="none"/>
+                    </a:lnL>
+                    <a:lnR cap="flat" cmpd="sng" w="12700">
+                      <a:solidFill>
+                        <a:schemeClr val="lt1"/>
+                      </a:solidFill>
+                      <a:prstDash val="solid"/>
+                      <a:round/>
+                      <a:headEnd len="sm" w="sm" type="none"/>
+                      <a:tailEnd len="sm" w="sm" type="none"/>
+                    </a:lnR>
+                    <a:lnT cap="flat" cmpd="sng" w="38100">
+                      <a:solidFill>
+                        <a:schemeClr val="lt1"/>
+                      </a:solidFill>
+                      <a:prstDash val="solid"/>
+                      <a:round/>
+                      <a:headEnd len="sm" w="sm" type="none"/>
+                      <a:tailEnd len="sm" w="sm" type="none"/>
+                    </a:lnT>
+                    <a:lnB cap="flat" cmpd="sng" w="9525">
+                      <a:solidFill>
+                        <a:srgbClr val="FFFFFF"/>
+                      </a:solidFill>
+                      <a:prstDash val="solid"/>
+                      <a:round/>
+                      <a:headEnd len="sm" w="sm" type="none"/>
+                      <a:tailEnd len="sm" w="sm" type="none"/>
+                    </a:lnB>
+                    <a:solidFill>
+                      <a:srgbClr val="CCCCCC"/>
+                    </a:solidFill>
+                  </a:tcPr>
+                </a:tc>
+                <a:tc>
+                  <a:txBody>
+                    <a:bodyPr/>
+                    <a:lstStyle/>
+                    <a:p>
+                      <a:pPr indent="0" lvl="0" marL="0" marR="0" rtl="0" algn="ctr">
+                        <a:lnSpc>
+                          <a:spcPct val="100000"/>
+                        </a:lnSpc>
+                        <a:spcBef>
+                          <a:spcPts val="0"/>
+                        </a:spcBef>
+                        <a:spcAft>
+                          <a:spcPts val="0"/>
+                        </a:spcAft>
+                        <a:buClr>
+                          <a:srgbClr val="000000"/>
+                        </a:buClr>
+                        <a:buSzPts val="1200"/>
+                        <a:buFont typeface="Dotumche"/>
+                        <a:buNone/>
+                      </a:pPr>
+                      <a:r>
+                        <a:rPr b="0" i="0" lang="en-US" sz="1200" u="none" cap="none" strike="noStrike">
+                          <a:solidFill>
+                            <a:srgbClr val="000000"/>
+                          </a:solidFill>
+                          <a:latin typeface="Dotumche"/>
+                          <a:ea typeface="Dotumche"/>
+                          <a:cs typeface="Dotumche"/>
+                          <a:sym typeface="Dotumche"/>
+                        </a:rPr>
+                        <a:t>서비스명</a:t>
+                      </a:r>
+                      <a:endParaRPr/>
+                    </a:p>
+                  </a:txBody>
+                  <a:tcPr marT="45725" marB="45725" marR="91425" marL="91425">
+                    <a:lnL cap="flat" cmpd="sng" w="12700">
+                      <a:solidFill>
+                        <a:schemeClr val="lt1"/>
+                      </a:solidFill>
+                      <a:prstDash val="solid"/>
+                      <a:round/>
+                      <a:headEnd len="sm" w="sm" type="none"/>
+                      <a:tailEnd len="sm" w="sm" type="none"/>
+                    </a:lnL>
+                    <a:lnR cap="flat" cmpd="sng" w="12700">
+                      <a:solidFill>
+                        <a:schemeClr val="lt1"/>
+                      </a:solidFill>
+                      <a:prstDash val="solid"/>
+                      <a:round/>
+                      <a:headEnd len="sm" w="sm" type="none"/>
+                      <a:tailEnd len="sm" w="sm" type="none"/>
+                    </a:lnR>
+                    <a:lnT cap="flat" cmpd="sng" w="38100">
+                      <a:solidFill>
+                        <a:schemeClr val="lt1"/>
+                      </a:solidFill>
+                      <a:prstDash val="solid"/>
+                      <a:round/>
+                      <a:headEnd len="sm" w="sm" type="none"/>
+                      <a:tailEnd len="sm" w="sm" type="none"/>
+                    </a:lnT>
+                    <a:lnB cap="flat" cmpd="sng" w="9525">
+                      <a:solidFill>
+                        <a:srgbClr val="FFFFFF"/>
+                      </a:solidFill>
+                      <a:prstDash val="solid"/>
+                      <a:round/>
+                      <a:headEnd len="sm" w="sm" type="none"/>
+                      <a:tailEnd len="sm" w="sm" type="none"/>
+                    </a:lnB>
+                    <a:solidFill>
+                      <a:srgbClr val="CCCCCC"/>
+                    </a:solidFill>
+                  </a:tcPr>
+                </a:tc>
+                <a:tc>
+                  <a:txBody>
+                    <a:bodyPr/>
+                    <a:lstStyle/>
+                    <a:p>
+                      <a:pPr indent="0" lvl="0" marL="0" marR="0" rtl="0" algn="ctr">
+                        <a:lnSpc>
+                          <a:spcPct val="100000"/>
+                        </a:lnSpc>
+                        <a:spcBef>
+                          <a:spcPts val="0"/>
+                        </a:spcBef>
+                        <a:spcAft>
+                          <a:spcPts val="0"/>
+                        </a:spcAft>
+                        <a:buClr>
+                          <a:srgbClr val="000000"/>
+                        </a:buClr>
+                        <a:buSzPts val="1200"/>
+                        <a:buFont typeface="Dotumche"/>
+                        <a:buNone/>
+                      </a:pPr>
+                      <a:r>
+                        <a:rPr b="0" i="0" lang="en-US" sz="1200" u="none" cap="none" strike="noStrike">
+                          <a:solidFill>
+                            <a:srgbClr val="000000"/>
+                          </a:solidFill>
+                          <a:latin typeface="Dotumche"/>
+                          <a:ea typeface="Dotumche"/>
+                          <a:cs typeface="Dotumche"/>
+                          <a:sym typeface="Dotumche"/>
+                        </a:rPr>
+                        <a:t>요구사항</a:t>
+                      </a:r>
+                      <a:endParaRPr/>
+                    </a:p>
+                  </a:txBody>
+                  <a:tcPr marT="45725" marB="45725" marR="91425" marL="91425">
+                    <a:lnL cap="flat" cmpd="sng" w="12700">
+                      <a:solidFill>
+                        <a:schemeClr val="lt1"/>
+                      </a:solidFill>
+                      <a:prstDash val="solid"/>
+                      <a:round/>
+                      <a:headEnd len="sm" w="sm" type="none"/>
+                      <a:tailEnd len="sm" w="sm" type="none"/>
+                    </a:lnL>
+                    <a:lnR cap="flat" cmpd="sng" w="12700">
+                      <a:solidFill>
+                        <a:schemeClr val="lt1"/>
+                      </a:solidFill>
+                      <a:prstDash val="solid"/>
+                      <a:round/>
+                      <a:headEnd len="sm" w="sm" type="none"/>
+                      <a:tailEnd len="sm" w="sm" type="none"/>
+                    </a:lnR>
+                    <a:lnT cap="flat" cmpd="sng" w="38100">
+                      <a:solidFill>
+                        <a:schemeClr val="lt1"/>
+                      </a:solidFill>
+                      <a:prstDash val="solid"/>
+                      <a:round/>
+                      <a:headEnd len="sm" w="sm" type="none"/>
+                      <a:tailEnd len="sm" w="sm" type="none"/>
+                    </a:lnT>
+                    <a:lnB cap="flat" cmpd="sng" w="9525">
+                      <a:solidFill>
+                        <a:srgbClr val="FFFFFF"/>
+                      </a:solidFill>
+                      <a:prstDash val="solid"/>
+                      <a:round/>
+                      <a:headEnd len="sm" w="sm" type="none"/>
+                      <a:tailEnd len="sm" w="sm" type="none"/>
+                    </a:lnB>
+                    <a:solidFill>
+                      <a:srgbClr val="CCCCCC"/>
+                    </a:solidFill>
+                  </a:tcPr>
+                </a:tc>
+                <a:tc>
+                  <a:txBody>
+                    <a:bodyPr/>
+                    <a:lstStyle/>
+                    <a:p>
+                      <a:pPr indent="0" lvl="0" marL="0" marR="0" rtl="0" algn="ctr">
+                        <a:lnSpc>
+                          <a:spcPct val="100000"/>
+                        </a:lnSpc>
+                        <a:spcBef>
+                          <a:spcPts val="0"/>
+                        </a:spcBef>
+                        <a:spcAft>
+                          <a:spcPts val="0"/>
+                        </a:spcAft>
+                        <a:buClr>
+                          <a:srgbClr val="000000"/>
+                        </a:buClr>
+                        <a:buSzPts val="1200"/>
+                        <a:buFont typeface="Dotumche"/>
+                        <a:buNone/>
+                      </a:pPr>
+                      <a:r>
+                        <a:rPr b="0" i="0" lang="en-US" sz="1200" u="none" cap="none" strike="noStrike">
+                          <a:solidFill>
+                            <a:srgbClr val="000000"/>
+                          </a:solidFill>
+                          <a:latin typeface="Dotumche"/>
+                          <a:ea typeface="Dotumche"/>
+                          <a:cs typeface="Dotumche"/>
+                          <a:sym typeface="Dotumche"/>
+                        </a:rPr>
+                        <a:t>기능상세</a:t>
+                      </a:r>
+                      <a:endParaRPr/>
+                    </a:p>
+                  </a:txBody>
+                  <a:tcPr marT="45725" marB="45725" marR="91425" marL="91425">
+                    <a:lnL cap="flat" cmpd="sng" w="12700">
+                      <a:solidFill>
+                        <a:schemeClr val="lt1"/>
+                      </a:solidFill>
+                      <a:prstDash val="solid"/>
+                      <a:round/>
+                      <a:headEnd len="sm" w="sm" type="none"/>
+                      <a:tailEnd len="sm" w="sm" type="none"/>
+                    </a:lnL>
+                    <a:lnR cap="flat" cmpd="sng" w="12700">
+                      <a:solidFill>
+                        <a:schemeClr val="lt1"/>
+                      </a:solidFill>
+                      <a:prstDash val="solid"/>
+                      <a:round/>
+                      <a:headEnd len="sm" w="sm" type="none"/>
+                      <a:tailEnd len="sm" w="sm" type="none"/>
+                    </a:lnR>
+                    <a:lnT cap="flat" cmpd="sng" w="38100">
+                      <a:solidFill>
+                        <a:schemeClr val="lt1"/>
+                      </a:solidFill>
+                      <a:prstDash val="solid"/>
+                      <a:round/>
+                      <a:headEnd len="sm" w="sm" type="none"/>
+                      <a:tailEnd len="sm" w="sm" type="none"/>
+                    </a:lnT>
+                    <a:lnB cap="flat" cmpd="sng" w="9525">
+                      <a:solidFill>
+                        <a:srgbClr val="FFFFFF"/>
+                      </a:solidFill>
+                      <a:prstDash val="solid"/>
+                      <a:round/>
+                      <a:headEnd len="sm" w="sm" type="none"/>
+                      <a:tailEnd len="sm" w="sm" type="none"/>
+                    </a:lnB>
+                    <a:solidFill>
+                      <a:srgbClr val="CCCCCC"/>
+                    </a:solidFill>
+                  </a:tcPr>
+                </a:tc>
+              </a:tr>
+              <a:tr h="770875">
+                <a:tc rowSpan="6">
+                  <a:txBody>
+                    <a:bodyPr/>
+                    <a:lstStyle/>
+                    <a:p>
+                      <a:pPr indent="0" lvl="0" marL="0" marR="0" rtl="0" algn="l">
+                        <a:spcBef>
+                          <a:spcPts val="0"/>
+                        </a:spcBef>
+                        <a:spcAft>
+                          <a:spcPts val="0"/>
+                        </a:spcAft>
+                        <a:buNone/>
+                      </a:pPr>
+                      <a:r>
+                        <a:rPr lang="en-US" sz="1800">
+                          <a:solidFill>
+                            <a:schemeClr val="dk1"/>
+                          </a:solidFill>
+                          <a:latin typeface="Dotumche"/>
+                          <a:ea typeface="Dotumche"/>
+                          <a:cs typeface="Dotumche"/>
+                          <a:sym typeface="Dotumche"/>
+                        </a:rPr>
+                        <a:t>기능요구사항</a:t>
+                      </a:r>
+                      <a:endParaRPr sz="1800">
+                        <a:solidFill>
+                          <a:schemeClr val="dk1"/>
+                        </a:solidFill>
+                        <a:latin typeface="Dotumche"/>
+                        <a:ea typeface="Dotumche"/>
+                        <a:cs typeface="Dotumche"/>
+                        <a:sym typeface="Dotumche"/>
+                      </a:endParaRPr>
+                    </a:p>
+                  </a:txBody>
+                  <a:tcPr marT="45725" marB="45725" marR="91425" marL="91425">
+                    <a:lnL cap="flat" cmpd="sng" w="12700">
+                      <a:solidFill>
+                        <a:schemeClr val="lt1"/>
+                      </a:solidFill>
+                      <a:prstDash val="solid"/>
+                      <a:round/>
+                      <a:headEnd len="sm" w="sm" type="none"/>
+                      <a:tailEnd len="sm" w="sm" type="none"/>
+                    </a:lnL>
+                    <a:lnR cap="flat" cmpd="sng" w="9525">
+                      <a:solidFill>
+                        <a:srgbClr val="FFFFFF"/>
+                      </a:solidFill>
+                      <a:prstDash val="solid"/>
+                      <a:round/>
+                      <a:headEnd len="sm" w="sm" type="none"/>
+                      <a:tailEnd len="sm" w="sm" type="none"/>
+                    </a:lnR>
+                    <a:lnT cap="flat" cmpd="sng" w="12700">
+                      <a:solidFill>
+                        <a:schemeClr val="lt1"/>
+                      </a:solidFill>
+                      <a:prstDash val="solid"/>
+                      <a:round/>
+                      <a:headEnd len="sm" w="sm" type="none"/>
+                      <a:tailEnd len="sm" w="sm" type="none"/>
+                    </a:lnT>
+                    <a:lnB cap="flat" cmpd="sng" w="12700">
+                      <a:solidFill>
+                        <a:schemeClr val="lt1"/>
+                      </a:solidFill>
+                      <a:prstDash val="solid"/>
+                      <a:round/>
+                      <a:headEnd len="sm" w="sm" type="none"/>
+                      <a:tailEnd len="sm" w="sm" type="none"/>
+                    </a:lnB>
+                    <a:solidFill>
+                      <a:srgbClr val="EFEFEF"/>
+                    </a:solidFill>
+                  </a:tcPr>
+                </a:tc>
+                <a:tc>
+                  <a:txBody>
+                    <a:bodyPr/>
+                    <a:lstStyle/>
+                    <a:p>
+                      <a:pPr indent="0" lvl="0" marL="0" rtl="0" algn="l">
+                        <a:spcBef>
+                          <a:spcPts val="0"/>
+                        </a:spcBef>
+                        <a:spcAft>
+                          <a:spcPts val="0"/>
+                        </a:spcAft>
+                        <a:buNone/>
+                      </a:pPr>
+                      <a:r>
+                        <a:rPr lang="en-US"/>
+                        <a:t>계약 상태 분류</a:t>
+                      </a:r>
+                      <a:endParaRPr/>
+                    </a:p>
+                  </a:txBody>
+                  <a:tcPr marT="91425" marB="91425" marR="91425" marL="91425">
+                    <a:lnL cap="flat" cmpd="sng" w="9525">
+                      <a:solidFill>
+                        <a:srgbClr val="FFFFFF"/>
+                      </a:solidFill>
+                      <a:prstDash val="solid"/>
+                      <a:round/>
+                      <a:headEnd len="sm" w="sm" type="none"/>
+                      <a:tailEnd len="sm" w="sm" type="none"/>
+                    </a:lnL>
+                    <a:lnR cap="flat" cmpd="sng" w="9525">
+                      <a:solidFill>
+                        <a:srgbClr val="FFFFFF"/>
+                      </a:solidFill>
+                      <a:prstDash val="solid"/>
+                      <a:round/>
+                      <a:headEnd len="sm" w="sm" type="none"/>
+                      <a:tailEnd len="sm" w="sm" type="none"/>
+                    </a:lnR>
+                    <a:lnT cap="flat" cmpd="sng" w="9525">
+                      <a:solidFill>
+                        <a:srgbClr val="FFFFFF"/>
+                      </a:solidFill>
+                      <a:prstDash val="solid"/>
+                      <a:round/>
+                      <a:headEnd len="sm" w="sm" type="none"/>
+                      <a:tailEnd len="sm" w="sm" type="none"/>
+                    </a:lnT>
+                    <a:lnB cap="flat" cmpd="sng" w="9525">
+                      <a:solidFill>
+                        <a:srgbClr val="FFFFFF"/>
+                      </a:solidFill>
+                      <a:prstDash val="solid"/>
+                      <a:round/>
+                      <a:headEnd len="sm" w="sm" type="none"/>
+                      <a:tailEnd len="sm" w="sm" type="none"/>
+                    </a:lnB>
+                    <a:solidFill>
+                      <a:srgbClr val="EFEFEF"/>
+                    </a:solidFill>
+                  </a:tcPr>
+                </a:tc>
+                <a:tc>
+                  <a:txBody>
+                    <a:bodyPr/>
+                    <a:lstStyle/>
+                    <a:p>
+                      <a:pPr indent="0" lvl="0" marL="0" rtl="0" algn="l">
+                        <a:spcBef>
+                          <a:spcPts val="0"/>
+                        </a:spcBef>
+                        <a:spcAft>
+                          <a:spcPts val="0"/>
+                        </a:spcAft>
+                        <a:buClr>
+                          <a:schemeClr val="dk1"/>
+                        </a:buClr>
+                        <a:buSzPts val="1100"/>
+                        <a:buFont typeface="Arial"/>
+                        <a:buNone/>
+                      </a:pPr>
+                      <a:r>
+                        <a:rPr lang="en-US">
+                          <a:solidFill>
+                            <a:schemeClr val="dk1"/>
+                          </a:solidFill>
+                        </a:rPr>
+                        <a:t>SFR035</a:t>
+                      </a:r>
+                      <a:endParaRPr/>
+                    </a:p>
+                  </a:txBody>
+                  <a:tcPr marT="91425" marB="91425" marR="91425" marL="91425">
+                    <a:lnL cap="flat" cmpd="sng" w="9525">
+                      <a:solidFill>
+                        <a:srgbClr val="FFFFFF"/>
+                      </a:solidFill>
+                      <a:prstDash val="solid"/>
+                      <a:round/>
+                      <a:headEnd len="sm" w="sm" type="none"/>
+                      <a:tailEnd len="sm" w="sm" type="none"/>
+                    </a:lnL>
+                    <a:lnR cap="flat" cmpd="sng" w="9525">
+                      <a:solidFill>
+                        <a:srgbClr val="FFFFFF"/>
+                      </a:solidFill>
+                      <a:prstDash val="solid"/>
+                      <a:round/>
+                      <a:headEnd len="sm" w="sm" type="none"/>
+                      <a:tailEnd len="sm" w="sm" type="none"/>
+                    </a:lnR>
+                    <a:lnT cap="flat" cmpd="sng" w="9525">
+                      <a:solidFill>
+                        <a:srgbClr val="FFFFFF"/>
+                      </a:solidFill>
+                      <a:prstDash val="solid"/>
+                      <a:round/>
+                      <a:headEnd len="sm" w="sm" type="none"/>
+                      <a:tailEnd len="sm" w="sm" type="none"/>
+                    </a:lnT>
+                    <a:lnB cap="flat" cmpd="sng" w="9525">
+                      <a:solidFill>
+                        <a:srgbClr val="FFFFFF"/>
+                      </a:solidFill>
+                      <a:prstDash val="solid"/>
+                      <a:round/>
+                      <a:headEnd len="sm" w="sm" type="none"/>
+                      <a:tailEnd len="sm" w="sm" type="none"/>
+                    </a:lnB>
+                    <a:solidFill>
+                      <a:srgbClr val="EFEFEF"/>
+                    </a:solidFill>
+                  </a:tcPr>
+                </a:tc>
+                <a:tc>
+                  <a:txBody>
+                    <a:bodyPr/>
+                    <a:lstStyle/>
+                    <a:p>
+                      <a:pPr indent="0" lvl="0" marL="0" rtl="0" algn="l">
+                        <a:spcBef>
+                          <a:spcPts val="0"/>
+                        </a:spcBef>
+                        <a:spcAft>
+                          <a:spcPts val="0"/>
+                        </a:spcAft>
+                        <a:buNone/>
+                      </a:pPr>
+                      <a:r>
+                        <a:rPr lang="en-US"/>
+                        <a:t>계약 분류</a:t>
+                      </a:r>
+                      <a:endParaRPr/>
+                    </a:p>
+                  </a:txBody>
+                  <a:tcPr marT="91425" marB="91425" marR="91425" marL="91425">
+                    <a:lnL cap="flat" cmpd="sng" w="9525">
+                      <a:solidFill>
+                        <a:srgbClr val="FFFFFF"/>
+                      </a:solidFill>
+                      <a:prstDash val="solid"/>
+                      <a:round/>
+                      <a:headEnd len="sm" w="sm" type="none"/>
+                      <a:tailEnd len="sm" w="sm" type="none"/>
+                    </a:lnL>
+                    <a:lnR cap="flat" cmpd="sng" w="9525">
+                      <a:solidFill>
+                        <a:srgbClr val="FFFFFF"/>
+                      </a:solidFill>
+                      <a:prstDash val="solid"/>
+                      <a:round/>
+                      <a:headEnd len="sm" w="sm" type="none"/>
+                      <a:tailEnd len="sm" w="sm" type="none"/>
+                    </a:lnR>
+                    <a:lnT cap="flat" cmpd="sng" w="9525">
+                      <a:solidFill>
+                        <a:srgbClr val="FFFFFF"/>
+                      </a:solidFill>
+                      <a:prstDash val="solid"/>
+                      <a:round/>
+                      <a:headEnd len="sm" w="sm" type="none"/>
+                      <a:tailEnd len="sm" w="sm" type="none"/>
+                    </a:lnT>
+                    <a:lnB cap="flat" cmpd="sng" w="9525">
+                      <a:solidFill>
+                        <a:srgbClr val="FFFFFF"/>
+                      </a:solidFill>
+                      <a:prstDash val="solid"/>
+                      <a:round/>
+                      <a:headEnd len="sm" w="sm" type="none"/>
+                      <a:tailEnd len="sm" w="sm" type="none"/>
+                    </a:lnB>
+                    <a:solidFill>
+                      <a:srgbClr val="EFEFEF"/>
+                    </a:solidFill>
+                  </a:tcPr>
+                </a:tc>
+                <a:tc>
+                  <a:txBody>
+                    <a:bodyPr/>
+                    <a:lstStyle/>
+                    <a:p>
+                      <a:pPr indent="0" lvl="0" marL="0" rtl="0" algn="l">
+                        <a:spcBef>
+                          <a:spcPts val="0"/>
+                        </a:spcBef>
+                        <a:spcAft>
+                          <a:spcPts val="0"/>
+                        </a:spcAft>
+                        <a:buNone/>
+                      </a:pPr>
+                      <a:r>
+                        <a:rPr lang="en-US"/>
+                        <a:t>사용자의 매물의 상태 혹은 계약의 상태를 보여준다.</a:t>
+                      </a:r>
+                      <a:endParaRPr/>
+                    </a:p>
+                  </a:txBody>
+                  <a:tcPr marT="91425" marB="91425" marR="91425" marL="91425">
+                    <a:lnL cap="flat" cmpd="sng" w="9525">
+                      <a:solidFill>
+                        <a:srgbClr val="FFFFFF"/>
+                      </a:solidFill>
+                      <a:prstDash val="solid"/>
+                      <a:round/>
+                      <a:headEnd len="sm" w="sm" type="none"/>
+                      <a:tailEnd len="sm" w="sm" type="none"/>
+                    </a:lnL>
+                    <a:lnR cap="flat" cmpd="sng" w="9525">
+                      <a:solidFill>
+                        <a:srgbClr val="FFFFFF"/>
+                      </a:solidFill>
+                      <a:prstDash val="solid"/>
+                      <a:round/>
+                      <a:headEnd len="sm" w="sm" type="none"/>
+                      <a:tailEnd len="sm" w="sm" type="none"/>
+                    </a:lnR>
+                    <a:lnT cap="flat" cmpd="sng" w="9525">
+                      <a:solidFill>
+                        <a:srgbClr val="FFFFFF"/>
+                      </a:solidFill>
+                      <a:prstDash val="solid"/>
+                      <a:round/>
+                      <a:headEnd len="sm" w="sm" type="none"/>
+                      <a:tailEnd len="sm" w="sm" type="none"/>
+                    </a:lnT>
+                    <a:lnB cap="flat" cmpd="sng" w="9525">
+                      <a:solidFill>
+                        <a:srgbClr val="FFFFFF"/>
+                      </a:solidFill>
+                      <a:prstDash val="solid"/>
+                      <a:round/>
+                      <a:headEnd len="sm" w="sm" type="none"/>
+                      <a:tailEnd len="sm" w="sm" type="none"/>
+                    </a:lnB>
+                    <a:solidFill>
+                      <a:srgbClr val="EFEFEF"/>
+                    </a:solidFill>
+                  </a:tcPr>
+                </a:tc>
+                <a:tc>
+                  <a:txBody>
+                    <a:bodyPr/>
+                    <a:lstStyle/>
+                    <a:p>
+                      <a:pPr indent="0" lvl="0" marL="0" rtl="0" algn="l">
+                        <a:spcBef>
+                          <a:spcPts val="0"/>
+                        </a:spcBef>
+                        <a:spcAft>
+                          <a:spcPts val="0"/>
+                        </a:spcAft>
+                        <a:buNone/>
+                      </a:pPr>
+                      <a:r>
+                        <a:rPr lang="en-US"/>
+                        <a:t>임대인이 올린 매물의 상태나 임차인이 신처안 계약의 상태를 볼 수 있으며 그렇지 않은 다른 매물을 삭제하거나 계약을 취소할 수 있는 기능</a:t>
+                      </a:r>
+                      <a:endParaRPr/>
+                    </a:p>
+                  </a:txBody>
+                  <a:tcPr marT="91425" marB="91425" marR="91425" marL="91425">
+                    <a:lnL cap="flat" cmpd="sng" w="9525">
+                      <a:solidFill>
+                        <a:srgbClr val="FFFFFF"/>
+                      </a:solidFill>
+                      <a:prstDash val="solid"/>
+                      <a:round/>
+                      <a:headEnd len="sm" w="sm" type="none"/>
+                      <a:tailEnd len="sm" w="sm" type="none"/>
+                    </a:lnL>
+                    <a:lnR cap="flat" cmpd="sng" w="9525">
+                      <a:solidFill>
+                        <a:srgbClr val="FFFFFF"/>
+                      </a:solidFill>
+                      <a:prstDash val="solid"/>
+                      <a:round/>
+                      <a:headEnd len="sm" w="sm" type="none"/>
+                      <a:tailEnd len="sm" w="sm" type="none"/>
+                    </a:lnR>
+                    <a:lnT cap="flat" cmpd="sng" w="9525">
+                      <a:solidFill>
+                        <a:srgbClr val="FFFFFF"/>
+                      </a:solidFill>
+                      <a:prstDash val="solid"/>
+                      <a:round/>
+                      <a:headEnd len="sm" w="sm" type="none"/>
+                      <a:tailEnd len="sm" w="sm" type="none"/>
+                    </a:lnT>
+                    <a:lnB cap="flat" cmpd="sng" w="9525">
+                      <a:solidFill>
+                        <a:srgbClr val="FFFFFF"/>
+                      </a:solidFill>
+                      <a:prstDash val="solid"/>
+                      <a:round/>
+                      <a:headEnd len="sm" w="sm" type="none"/>
+                      <a:tailEnd len="sm" w="sm" type="none"/>
+                    </a:lnB>
+                    <a:solidFill>
+                      <a:srgbClr val="EFEFEF"/>
+                    </a:solidFill>
+                  </a:tcPr>
+                </a:tc>
+              </a:tr>
+              <a:tr h="770875">
+                <a:tc vMerge="1"/>
+                <a:tc>
+                  <a:txBody>
+                    <a:bodyPr/>
+                    <a:lstStyle/>
+                    <a:p>
+                      <a:pPr indent="0" lvl="0" marL="0" rtl="0" algn="l">
+                        <a:spcBef>
+                          <a:spcPts val="0"/>
+                        </a:spcBef>
+                        <a:spcAft>
+                          <a:spcPts val="0"/>
+                        </a:spcAft>
+                        <a:buNone/>
+                      </a:pPr>
+                      <a:r>
+                        <a:t/>
+                      </a:r>
+                      <a:endParaRPr/>
+                    </a:p>
+                  </a:txBody>
+                  <a:tcPr marT="91425" marB="91425" marR="91425" marL="91425">
+                    <a:lnL cap="flat" cmpd="sng" w="9525">
+                      <a:solidFill>
+                        <a:srgbClr val="FFFFFF"/>
+                      </a:solidFill>
+                      <a:prstDash val="solid"/>
+                      <a:round/>
+                      <a:headEnd len="sm" w="sm" type="none"/>
+                      <a:tailEnd len="sm" w="sm" type="none"/>
+                    </a:lnL>
+                    <a:lnR cap="flat" cmpd="sng" w="9525">
+                      <a:solidFill>
+                        <a:srgbClr val="FFFFFF"/>
+                      </a:solidFill>
+                      <a:prstDash val="solid"/>
+                      <a:round/>
+                      <a:headEnd len="sm" w="sm" type="none"/>
+                      <a:tailEnd len="sm" w="sm" type="none"/>
+                    </a:lnR>
+                    <a:lnT cap="flat" cmpd="sng" w="9525">
+                      <a:solidFill>
+                        <a:srgbClr val="FFFFFF"/>
+                      </a:solidFill>
+                      <a:prstDash val="solid"/>
+                      <a:round/>
+                      <a:headEnd len="sm" w="sm" type="none"/>
+                      <a:tailEnd len="sm" w="sm" type="none"/>
+                    </a:lnT>
+                    <a:lnB cap="flat" cmpd="sng" w="9525">
+                      <a:solidFill>
+                        <a:srgbClr val="FFFFFF"/>
+                      </a:solidFill>
+                      <a:prstDash val="solid"/>
+                      <a:round/>
+                      <a:headEnd len="sm" w="sm" type="none"/>
+                      <a:tailEnd len="sm" w="sm" type="none"/>
+                    </a:lnB>
+                    <a:solidFill>
+                      <a:srgbClr val="EFEFEF"/>
+                    </a:solidFill>
+                  </a:tcPr>
+                </a:tc>
+                <a:tc>
+                  <a:txBody>
+                    <a:bodyPr/>
+                    <a:lstStyle/>
+                    <a:p>
+                      <a:pPr indent="0" lvl="0" marL="0" rtl="0" algn="l">
+                        <a:spcBef>
+                          <a:spcPts val="0"/>
+                        </a:spcBef>
+                        <a:spcAft>
+                          <a:spcPts val="0"/>
+                        </a:spcAft>
+                        <a:buNone/>
+                      </a:pPr>
+                      <a:r>
+                        <a:t/>
+                      </a:r>
+                      <a:endParaRPr/>
+                    </a:p>
+                  </a:txBody>
+                  <a:tcPr marT="91425" marB="91425" marR="91425" marL="91425">
+                    <a:lnL cap="flat" cmpd="sng" w="9525">
+                      <a:solidFill>
+                        <a:srgbClr val="FFFFFF"/>
+                      </a:solidFill>
+                      <a:prstDash val="solid"/>
+                      <a:round/>
+                      <a:headEnd len="sm" w="sm" type="none"/>
+                      <a:tailEnd len="sm" w="sm" type="none"/>
+                    </a:lnL>
+                    <a:lnR cap="flat" cmpd="sng" w="9525">
+                      <a:solidFill>
+                        <a:srgbClr val="FFFFFF"/>
+                      </a:solidFill>
+                      <a:prstDash val="solid"/>
+                      <a:round/>
+                      <a:headEnd len="sm" w="sm" type="none"/>
+                      <a:tailEnd len="sm" w="sm" type="none"/>
+                    </a:lnR>
+                    <a:lnT cap="flat" cmpd="sng" w="9525">
+                      <a:solidFill>
+                        <a:srgbClr val="FFFFFF"/>
+                      </a:solidFill>
+                      <a:prstDash val="solid"/>
+                      <a:round/>
+                      <a:headEnd len="sm" w="sm" type="none"/>
+                      <a:tailEnd len="sm" w="sm" type="none"/>
+                    </a:lnT>
+                    <a:lnB cap="flat" cmpd="sng" w="9525">
+                      <a:solidFill>
+                        <a:srgbClr val="FFFFFF"/>
+                      </a:solidFill>
+                      <a:prstDash val="solid"/>
+                      <a:round/>
+                      <a:headEnd len="sm" w="sm" type="none"/>
+                      <a:tailEnd len="sm" w="sm" type="none"/>
+                    </a:lnB>
+                    <a:solidFill>
+                      <a:srgbClr val="EFEFEF"/>
+                    </a:solidFill>
+                  </a:tcPr>
+                </a:tc>
+                <a:tc>
+                  <a:txBody>
+                    <a:bodyPr/>
+                    <a:lstStyle/>
+                    <a:p>
+                      <a:pPr indent="0" lvl="0" marL="0" rtl="0" algn="l">
+                        <a:spcBef>
+                          <a:spcPts val="0"/>
+                        </a:spcBef>
+                        <a:spcAft>
+                          <a:spcPts val="0"/>
+                        </a:spcAft>
+                        <a:buNone/>
+                      </a:pPr>
+                      <a:r>
+                        <a:t/>
+                      </a:r>
+                      <a:endParaRPr/>
+                    </a:p>
+                  </a:txBody>
+                  <a:tcPr marT="91425" marB="91425" marR="91425" marL="91425">
+                    <a:lnL cap="flat" cmpd="sng" w="9525">
+                      <a:solidFill>
+                        <a:srgbClr val="FFFFFF"/>
+                      </a:solidFill>
+                      <a:prstDash val="solid"/>
+                      <a:round/>
+                      <a:headEnd len="sm" w="sm" type="none"/>
+                      <a:tailEnd len="sm" w="sm" type="none"/>
+                    </a:lnL>
+                    <a:lnR cap="flat" cmpd="sng" w="9525">
+                      <a:solidFill>
+                        <a:srgbClr val="FFFFFF"/>
+                      </a:solidFill>
+                      <a:prstDash val="solid"/>
+                      <a:round/>
+                      <a:headEnd len="sm" w="sm" type="none"/>
+                      <a:tailEnd len="sm" w="sm" type="none"/>
+                    </a:lnR>
+                    <a:lnT cap="flat" cmpd="sng" w="9525">
+                      <a:solidFill>
+                        <a:srgbClr val="FFFFFF"/>
+                      </a:solidFill>
+                      <a:prstDash val="solid"/>
+                      <a:round/>
+                      <a:headEnd len="sm" w="sm" type="none"/>
+                      <a:tailEnd len="sm" w="sm" type="none"/>
+                    </a:lnT>
+                    <a:lnB cap="flat" cmpd="sng" w="9525">
+                      <a:solidFill>
+                        <a:srgbClr val="FFFFFF"/>
+                      </a:solidFill>
+                      <a:prstDash val="solid"/>
+                      <a:round/>
+                      <a:headEnd len="sm" w="sm" type="none"/>
+                      <a:tailEnd len="sm" w="sm" type="none"/>
+                    </a:lnB>
+                    <a:solidFill>
+                      <a:srgbClr val="EFEFEF"/>
+                    </a:solidFill>
+                  </a:tcPr>
+                </a:tc>
+                <a:tc>
+                  <a:txBody>
+                    <a:bodyPr/>
+                    <a:lstStyle/>
+                    <a:p>
+                      <a:pPr indent="0" lvl="0" marL="0" rtl="0" algn="l">
+                        <a:spcBef>
+                          <a:spcPts val="0"/>
+                        </a:spcBef>
+                        <a:spcAft>
+                          <a:spcPts val="0"/>
+                        </a:spcAft>
+                        <a:buNone/>
+                      </a:pPr>
+                      <a:r>
+                        <a:t/>
+                      </a:r>
+                      <a:endParaRPr/>
+                    </a:p>
+                  </a:txBody>
+                  <a:tcPr marT="91425" marB="91425" marR="91425" marL="91425">
+                    <a:lnL cap="flat" cmpd="sng" w="9525">
+                      <a:solidFill>
+                        <a:srgbClr val="FFFFFF"/>
+                      </a:solidFill>
+                      <a:prstDash val="solid"/>
+                      <a:round/>
+                      <a:headEnd len="sm" w="sm" type="none"/>
+                      <a:tailEnd len="sm" w="sm" type="none"/>
+                    </a:lnL>
+                    <a:lnR cap="flat" cmpd="sng" w="9525">
+                      <a:solidFill>
+                        <a:srgbClr val="FFFFFF"/>
+                      </a:solidFill>
+                      <a:prstDash val="solid"/>
+                      <a:round/>
+                      <a:headEnd len="sm" w="sm" type="none"/>
+                      <a:tailEnd len="sm" w="sm" type="none"/>
+                    </a:lnR>
+                    <a:lnT cap="flat" cmpd="sng" w="9525">
+                      <a:solidFill>
+                        <a:srgbClr val="FFFFFF"/>
+                      </a:solidFill>
+                      <a:prstDash val="solid"/>
+                      <a:round/>
+                      <a:headEnd len="sm" w="sm" type="none"/>
+                      <a:tailEnd len="sm" w="sm" type="none"/>
+                    </a:lnT>
+                    <a:lnB cap="flat" cmpd="sng" w="9525">
+                      <a:solidFill>
+                        <a:srgbClr val="FFFFFF"/>
+                      </a:solidFill>
+                      <a:prstDash val="solid"/>
+                      <a:round/>
+                      <a:headEnd len="sm" w="sm" type="none"/>
+                      <a:tailEnd len="sm" w="sm" type="none"/>
+                    </a:lnB>
+                    <a:solidFill>
+                      <a:srgbClr val="EFEFEF"/>
+                    </a:solidFill>
+                  </a:tcPr>
+                </a:tc>
+                <a:tc>
+                  <a:txBody>
+                    <a:bodyPr/>
+                    <a:lstStyle/>
+                    <a:p>
+                      <a:pPr indent="0" lvl="0" marL="0" rtl="0" algn="l">
+                        <a:spcBef>
+                          <a:spcPts val="0"/>
+                        </a:spcBef>
+                        <a:spcAft>
+                          <a:spcPts val="0"/>
+                        </a:spcAft>
+                        <a:buNone/>
+                      </a:pPr>
+                      <a:r>
+                        <a:t/>
+                      </a:r>
+                      <a:endParaRPr/>
+                    </a:p>
+                  </a:txBody>
+                  <a:tcPr marT="91425" marB="91425" marR="91425" marL="91425">
+                    <a:lnL cap="flat" cmpd="sng" w="9525">
+                      <a:solidFill>
+                        <a:srgbClr val="FFFFFF"/>
+                      </a:solidFill>
+                      <a:prstDash val="solid"/>
+                      <a:round/>
+                      <a:headEnd len="sm" w="sm" type="none"/>
+                      <a:tailEnd len="sm" w="sm" type="none"/>
+                    </a:lnL>
+                    <a:lnR cap="flat" cmpd="sng" w="9525">
+                      <a:solidFill>
+                        <a:srgbClr val="FFFFFF"/>
+                      </a:solidFill>
+                      <a:prstDash val="solid"/>
+                      <a:round/>
+                      <a:headEnd len="sm" w="sm" type="none"/>
+                      <a:tailEnd len="sm" w="sm" type="none"/>
+                    </a:lnR>
+                    <a:lnT cap="flat" cmpd="sng" w="9525">
+                      <a:solidFill>
+                        <a:srgbClr val="FFFFFF"/>
+                      </a:solidFill>
+                      <a:prstDash val="solid"/>
+                      <a:round/>
+                      <a:headEnd len="sm" w="sm" type="none"/>
+                      <a:tailEnd len="sm" w="sm" type="none"/>
+                    </a:lnT>
+                    <a:lnB cap="flat" cmpd="sng" w="9525">
+                      <a:solidFill>
+                        <a:srgbClr val="FFFFFF"/>
+                      </a:solidFill>
+                      <a:prstDash val="solid"/>
+                      <a:round/>
+                      <a:headEnd len="sm" w="sm" type="none"/>
+                      <a:tailEnd len="sm" w="sm" type="none"/>
+                    </a:lnB>
+                    <a:solidFill>
+                      <a:srgbClr val="EFEFEF"/>
+                    </a:solidFill>
+                  </a:tcPr>
+                </a:tc>
+              </a:tr>
+              <a:tr h="571800">
+                <a:tc vMerge="1"/>
+                <a:tc>
+                  <a:txBody>
+                    <a:bodyPr/>
+                    <a:lstStyle/>
+                    <a:p>
+                      <a:pPr indent="0" lvl="0" marL="0" rtl="0" algn="l">
+                        <a:spcBef>
+                          <a:spcPts val="0"/>
+                        </a:spcBef>
+                        <a:spcAft>
+                          <a:spcPts val="0"/>
+                        </a:spcAft>
+                        <a:buNone/>
+                      </a:pPr>
+                      <a:r>
+                        <a:t/>
+                      </a:r>
+                      <a:endParaRPr/>
+                    </a:p>
+                  </a:txBody>
+                  <a:tcPr marT="91425" marB="91425" marR="91425" marL="91425">
+                    <a:lnL cap="flat" cmpd="sng" w="9525">
+                      <a:solidFill>
+                        <a:srgbClr val="FFFFFF"/>
+                      </a:solidFill>
+                      <a:prstDash val="solid"/>
+                      <a:round/>
+                      <a:headEnd len="sm" w="sm" type="none"/>
+                      <a:tailEnd len="sm" w="sm" type="none"/>
+                    </a:lnL>
+                    <a:lnR cap="flat" cmpd="sng" w="9525">
+                      <a:solidFill>
+                        <a:srgbClr val="FFFFFF"/>
+                      </a:solidFill>
+                      <a:prstDash val="solid"/>
+                      <a:round/>
+                      <a:headEnd len="sm" w="sm" type="none"/>
+                      <a:tailEnd len="sm" w="sm" type="none"/>
+                    </a:lnR>
+                    <a:lnT cap="flat" cmpd="sng" w="9525">
+                      <a:solidFill>
+                        <a:srgbClr val="FFFFFF"/>
+                      </a:solidFill>
+                      <a:prstDash val="solid"/>
+                      <a:round/>
+                      <a:headEnd len="sm" w="sm" type="none"/>
+                      <a:tailEnd len="sm" w="sm" type="none"/>
+                    </a:lnT>
+                    <a:lnB cap="flat" cmpd="sng" w="9525">
+                      <a:solidFill>
+                        <a:srgbClr val="FFFFFF"/>
+                      </a:solidFill>
+                      <a:prstDash val="solid"/>
+                      <a:round/>
+                      <a:headEnd len="sm" w="sm" type="none"/>
+                      <a:tailEnd len="sm" w="sm" type="none"/>
+                    </a:lnB>
+                    <a:solidFill>
+                      <a:srgbClr val="EFEFEF"/>
+                    </a:solidFill>
+                  </a:tcPr>
+                </a:tc>
+                <a:tc>
+                  <a:txBody>
+                    <a:bodyPr/>
+                    <a:lstStyle/>
+                    <a:p>
+                      <a:pPr indent="0" lvl="0" marL="0" rtl="0" algn="l">
+                        <a:spcBef>
+                          <a:spcPts val="0"/>
+                        </a:spcBef>
+                        <a:spcAft>
+                          <a:spcPts val="0"/>
+                        </a:spcAft>
+                        <a:buNone/>
+                      </a:pPr>
+                      <a:r>
+                        <a:t/>
+                      </a:r>
+                      <a:endParaRPr/>
+                    </a:p>
+                  </a:txBody>
+                  <a:tcPr marT="91425" marB="91425" marR="91425" marL="91425">
+                    <a:lnL cap="flat" cmpd="sng" w="9525">
+                      <a:solidFill>
+                        <a:srgbClr val="FFFFFF"/>
+                      </a:solidFill>
+                      <a:prstDash val="solid"/>
+                      <a:round/>
+                      <a:headEnd len="sm" w="sm" type="none"/>
+                      <a:tailEnd len="sm" w="sm" type="none"/>
+                    </a:lnL>
+                    <a:lnR cap="flat" cmpd="sng" w="9525">
+                      <a:solidFill>
+                        <a:srgbClr val="FFFFFF"/>
+                      </a:solidFill>
+                      <a:prstDash val="solid"/>
+                      <a:round/>
+                      <a:headEnd len="sm" w="sm" type="none"/>
+                      <a:tailEnd len="sm" w="sm" type="none"/>
+                    </a:lnR>
+                    <a:lnT cap="flat" cmpd="sng" w="9525">
+                      <a:solidFill>
+                        <a:srgbClr val="FFFFFF"/>
+                      </a:solidFill>
+                      <a:prstDash val="solid"/>
+                      <a:round/>
+                      <a:headEnd len="sm" w="sm" type="none"/>
+                      <a:tailEnd len="sm" w="sm" type="none"/>
+                    </a:lnT>
+                    <a:lnB cap="flat" cmpd="sng" w="9525">
+                      <a:solidFill>
+                        <a:srgbClr val="FFFFFF"/>
+                      </a:solidFill>
+                      <a:prstDash val="solid"/>
+                      <a:round/>
+                      <a:headEnd len="sm" w="sm" type="none"/>
+                      <a:tailEnd len="sm" w="sm" type="none"/>
+                    </a:lnB>
+                    <a:solidFill>
+                      <a:srgbClr val="EFEFEF"/>
+                    </a:solidFill>
+                  </a:tcPr>
+                </a:tc>
+                <a:tc>
+                  <a:txBody>
+                    <a:bodyPr/>
+                    <a:lstStyle/>
+                    <a:p>
+                      <a:pPr indent="0" lvl="0" marL="0" rtl="0" algn="l">
+                        <a:spcBef>
+                          <a:spcPts val="0"/>
+                        </a:spcBef>
+                        <a:spcAft>
+                          <a:spcPts val="0"/>
+                        </a:spcAft>
+                        <a:buNone/>
+                      </a:pPr>
+                      <a:r>
+                        <a:t/>
+                      </a:r>
+                      <a:endParaRPr/>
+                    </a:p>
+                  </a:txBody>
+                  <a:tcPr marT="91425" marB="91425" marR="91425" marL="91425">
+                    <a:lnL cap="flat" cmpd="sng" w="9525">
+                      <a:solidFill>
+                        <a:srgbClr val="FFFFFF"/>
+                      </a:solidFill>
+                      <a:prstDash val="solid"/>
+                      <a:round/>
+                      <a:headEnd len="sm" w="sm" type="none"/>
+                      <a:tailEnd len="sm" w="sm" type="none"/>
+                    </a:lnL>
+                    <a:lnR cap="flat" cmpd="sng" w="9525">
+                      <a:solidFill>
+                        <a:srgbClr val="FFFFFF"/>
+                      </a:solidFill>
+                      <a:prstDash val="solid"/>
+                      <a:round/>
+                      <a:headEnd len="sm" w="sm" type="none"/>
+                      <a:tailEnd len="sm" w="sm" type="none"/>
+                    </a:lnR>
+                    <a:lnT cap="flat" cmpd="sng" w="9525">
+                      <a:solidFill>
+                        <a:srgbClr val="FFFFFF"/>
+                      </a:solidFill>
+                      <a:prstDash val="solid"/>
+                      <a:round/>
+                      <a:headEnd len="sm" w="sm" type="none"/>
+                      <a:tailEnd len="sm" w="sm" type="none"/>
+                    </a:lnT>
+                    <a:lnB cap="flat" cmpd="sng" w="9525">
+                      <a:solidFill>
+                        <a:srgbClr val="FFFFFF"/>
+                      </a:solidFill>
+                      <a:prstDash val="solid"/>
+                      <a:round/>
+                      <a:headEnd len="sm" w="sm" type="none"/>
+                      <a:tailEnd len="sm" w="sm" type="none"/>
+                    </a:lnB>
+                    <a:solidFill>
+                      <a:srgbClr val="EFEFEF"/>
+                    </a:solidFill>
+                  </a:tcPr>
+                </a:tc>
+                <a:tc>
+                  <a:txBody>
+                    <a:bodyPr/>
+                    <a:lstStyle/>
+                    <a:p>
+                      <a:pPr indent="0" lvl="0" marL="0" rtl="0" algn="l">
+                        <a:spcBef>
+                          <a:spcPts val="0"/>
+                        </a:spcBef>
+                        <a:spcAft>
+                          <a:spcPts val="0"/>
+                        </a:spcAft>
+                        <a:buNone/>
+                      </a:pPr>
+                      <a:r>
+                        <a:t/>
+                      </a:r>
+                      <a:endParaRPr/>
+                    </a:p>
+                  </a:txBody>
+                  <a:tcPr marT="91425" marB="91425" marR="91425" marL="91425">
+                    <a:lnL cap="flat" cmpd="sng" w="9525">
+                      <a:solidFill>
+                        <a:srgbClr val="FFFFFF"/>
+                      </a:solidFill>
+                      <a:prstDash val="solid"/>
+                      <a:round/>
+                      <a:headEnd len="sm" w="sm" type="none"/>
+                      <a:tailEnd len="sm" w="sm" type="none"/>
+                    </a:lnL>
+                    <a:lnR cap="flat" cmpd="sng" w="9525">
+                      <a:solidFill>
+                        <a:srgbClr val="FFFFFF"/>
+                      </a:solidFill>
+                      <a:prstDash val="solid"/>
+                      <a:round/>
+                      <a:headEnd len="sm" w="sm" type="none"/>
+                      <a:tailEnd len="sm" w="sm" type="none"/>
+                    </a:lnR>
+                    <a:lnT cap="flat" cmpd="sng" w="9525">
+                      <a:solidFill>
+                        <a:srgbClr val="FFFFFF"/>
+                      </a:solidFill>
+                      <a:prstDash val="solid"/>
+                      <a:round/>
+                      <a:headEnd len="sm" w="sm" type="none"/>
+                      <a:tailEnd len="sm" w="sm" type="none"/>
+                    </a:lnT>
+                    <a:lnB cap="flat" cmpd="sng" w="9525">
+                      <a:solidFill>
+                        <a:srgbClr val="FFFFFF"/>
+                      </a:solidFill>
+                      <a:prstDash val="solid"/>
+                      <a:round/>
+                      <a:headEnd len="sm" w="sm" type="none"/>
+                      <a:tailEnd len="sm" w="sm" type="none"/>
+                    </a:lnB>
+                    <a:solidFill>
+                      <a:srgbClr val="EFEFEF"/>
+                    </a:solidFill>
+                  </a:tcPr>
+                </a:tc>
+                <a:tc>
+                  <a:txBody>
+                    <a:bodyPr/>
+                    <a:lstStyle/>
+                    <a:p>
+                      <a:pPr indent="0" lvl="0" marL="0" rtl="0" algn="l">
+                        <a:spcBef>
+                          <a:spcPts val="0"/>
+                        </a:spcBef>
+                        <a:spcAft>
+                          <a:spcPts val="0"/>
+                        </a:spcAft>
+                        <a:buNone/>
+                      </a:pPr>
+                      <a:r>
+                        <a:t/>
+                      </a:r>
+                      <a:endParaRPr/>
+                    </a:p>
+                  </a:txBody>
+                  <a:tcPr marT="91425" marB="91425" marR="91425" marL="91425">
+                    <a:lnL cap="flat" cmpd="sng" w="9525">
+                      <a:solidFill>
+                        <a:srgbClr val="FFFFFF"/>
+                      </a:solidFill>
+                      <a:prstDash val="solid"/>
+                      <a:round/>
+                      <a:headEnd len="sm" w="sm" type="none"/>
+                      <a:tailEnd len="sm" w="sm" type="none"/>
+                    </a:lnL>
+                    <a:lnR cap="flat" cmpd="sng" w="9525">
+                      <a:solidFill>
+                        <a:srgbClr val="FFFFFF"/>
+                      </a:solidFill>
+                      <a:prstDash val="solid"/>
+                      <a:round/>
+                      <a:headEnd len="sm" w="sm" type="none"/>
+                      <a:tailEnd len="sm" w="sm" type="none"/>
+                    </a:lnR>
+                    <a:lnT cap="flat" cmpd="sng" w="9525">
+                      <a:solidFill>
+                        <a:srgbClr val="FFFFFF"/>
+                      </a:solidFill>
+                      <a:prstDash val="solid"/>
+                      <a:round/>
+                      <a:headEnd len="sm" w="sm" type="none"/>
+                      <a:tailEnd len="sm" w="sm" type="none"/>
+                    </a:lnT>
+                    <a:lnB cap="flat" cmpd="sng" w="9525">
+                      <a:solidFill>
+                        <a:srgbClr val="FFFFFF"/>
+                      </a:solidFill>
+                      <a:prstDash val="solid"/>
+                      <a:round/>
+                      <a:headEnd len="sm" w="sm" type="none"/>
+                      <a:tailEnd len="sm" w="sm" type="none"/>
+                    </a:lnB>
+                    <a:solidFill>
+                      <a:srgbClr val="EFEFEF"/>
+                    </a:solidFill>
+                  </a:tcPr>
+                </a:tc>
+              </a:tr>
+              <a:tr h="571800">
+                <a:tc vMerge="1"/>
+                <a:tc>
+                  <a:txBody>
+                    <a:bodyPr/>
+                    <a:lstStyle/>
+                    <a:p>
+                      <a:pPr indent="0" lvl="0" marL="0" rtl="0" algn="l">
+                        <a:spcBef>
+                          <a:spcPts val="0"/>
+                        </a:spcBef>
+                        <a:spcAft>
+                          <a:spcPts val="0"/>
+                        </a:spcAft>
+                        <a:buNone/>
+                      </a:pPr>
+                      <a:r>
+                        <a:t/>
+                      </a:r>
+                      <a:endParaRPr/>
+                    </a:p>
+                  </a:txBody>
+                  <a:tcPr marT="91425" marB="91425" marR="91425" marL="91425">
+                    <a:lnL cap="flat" cmpd="sng" w="9525">
+                      <a:solidFill>
+                        <a:srgbClr val="FFFFFF"/>
+                      </a:solidFill>
+                      <a:prstDash val="solid"/>
+                      <a:round/>
+                      <a:headEnd len="sm" w="sm" type="none"/>
+                      <a:tailEnd len="sm" w="sm" type="none"/>
+                    </a:lnL>
+                    <a:lnR cap="flat" cmpd="sng" w="9525">
+                      <a:solidFill>
+                        <a:srgbClr val="FFFFFF"/>
+                      </a:solidFill>
+                      <a:prstDash val="solid"/>
+                      <a:round/>
+                      <a:headEnd len="sm" w="sm" type="none"/>
+                      <a:tailEnd len="sm" w="sm" type="none"/>
+                    </a:lnR>
+                    <a:lnT cap="flat" cmpd="sng" w="9525">
+                      <a:solidFill>
+                        <a:srgbClr val="FFFFFF"/>
+                      </a:solidFill>
+                      <a:prstDash val="solid"/>
+                      <a:round/>
+                      <a:headEnd len="sm" w="sm" type="none"/>
+                      <a:tailEnd len="sm" w="sm" type="none"/>
+                    </a:lnT>
+                    <a:lnB cap="flat" cmpd="sng" w="9525">
+                      <a:solidFill>
+                        <a:srgbClr val="FFFFFF"/>
+                      </a:solidFill>
+                      <a:prstDash val="solid"/>
+                      <a:round/>
+                      <a:headEnd len="sm" w="sm" type="none"/>
+                      <a:tailEnd len="sm" w="sm" type="none"/>
+                    </a:lnB>
+                    <a:solidFill>
+                      <a:srgbClr val="EFEFEF"/>
+                    </a:solidFill>
+                  </a:tcPr>
+                </a:tc>
+                <a:tc>
+                  <a:txBody>
+                    <a:bodyPr/>
+                    <a:lstStyle/>
+                    <a:p>
+                      <a:pPr indent="0" lvl="0" marL="0" rtl="0" algn="l">
+                        <a:spcBef>
+                          <a:spcPts val="0"/>
+                        </a:spcBef>
+                        <a:spcAft>
+                          <a:spcPts val="0"/>
+                        </a:spcAft>
+                        <a:buNone/>
+                      </a:pPr>
+                      <a:r>
+                        <a:t/>
+                      </a:r>
+                      <a:endParaRPr/>
+                    </a:p>
+                  </a:txBody>
+                  <a:tcPr marT="91425" marB="91425" marR="91425" marL="91425" anchor="ctr">
+                    <a:lnL cap="flat" cmpd="sng" w="9525">
+                      <a:solidFill>
+                        <a:srgbClr val="FFFFFF"/>
+                      </a:solidFill>
+                      <a:prstDash val="solid"/>
+                      <a:round/>
+                      <a:headEnd len="sm" w="sm" type="none"/>
+                      <a:tailEnd len="sm" w="sm" type="none"/>
+                    </a:lnL>
+                    <a:lnR cap="flat" cmpd="sng" w="9525">
+                      <a:solidFill>
+                        <a:srgbClr val="FFFFFF"/>
+                      </a:solidFill>
+                      <a:prstDash val="solid"/>
+                      <a:round/>
+                      <a:headEnd len="sm" w="sm" type="none"/>
+                      <a:tailEnd len="sm" w="sm" type="none"/>
+                    </a:lnR>
+                    <a:lnT cap="flat" cmpd="sng" w="9525">
+                      <a:solidFill>
+                        <a:srgbClr val="FFFFFF"/>
+                      </a:solidFill>
+                      <a:prstDash val="solid"/>
+                      <a:round/>
+                      <a:headEnd len="sm" w="sm" type="none"/>
+                      <a:tailEnd len="sm" w="sm" type="none"/>
+                    </a:lnT>
+                    <a:lnB cap="flat" cmpd="sng" w="9525">
+                      <a:solidFill>
+                        <a:srgbClr val="FFFFFF"/>
+                      </a:solidFill>
+                      <a:prstDash val="solid"/>
+                      <a:round/>
+                      <a:headEnd len="sm" w="sm" type="none"/>
+                      <a:tailEnd len="sm" w="sm" type="none"/>
+                    </a:lnB>
+                    <a:solidFill>
+                      <a:srgbClr val="EFEFEF"/>
+                    </a:solidFill>
+                  </a:tcPr>
+                </a:tc>
+                <a:tc>
+                  <a:txBody>
+                    <a:bodyPr/>
+                    <a:lstStyle/>
+                    <a:p>
+                      <a:pPr indent="0" lvl="0" marL="0" rtl="0" algn="l">
+                        <a:spcBef>
+                          <a:spcPts val="0"/>
+                        </a:spcBef>
+                        <a:spcAft>
+                          <a:spcPts val="0"/>
+                        </a:spcAft>
+                        <a:buNone/>
+                      </a:pPr>
+                      <a:r>
+                        <a:t/>
+                      </a:r>
+                      <a:endParaRPr/>
+                    </a:p>
+                  </a:txBody>
+                  <a:tcPr marT="91425" marB="91425" marR="91425" marL="91425">
+                    <a:lnL cap="flat" cmpd="sng" w="9525">
+                      <a:solidFill>
+                        <a:srgbClr val="FFFFFF"/>
+                      </a:solidFill>
+                      <a:prstDash val="solid"/>
+                      <a:round/>
+                      <a:headEnd len="sm" w="sm" type="none"/>
+                      <a:tailEnd len="sm" w="sm" type="none"/>
+                    </a:lnL>
+                    <a:lnR cap="flat" cmpd="sng" w="9525">
+                      <a:solidFill>
+                        <a:srgbClr val="FFFFFF"/>
+                      </a:solidFill>
+                      <a:prstDash val="solid"/>
+                      <a:round/>
+                      <a:headEnd len="sm" w="sm" type="none"/>
+                      <a:tailEnd len="sm" w="sm" type="none"/>
+                    </a:lnR>
+                    <a:lnT cap="flat" cmpd="sng" w="9525">
+                      <a:solidFill>
+                        <a:srgbClr val="FFFFFF"/>
+                      </a:solidFill>
+                      <a:prstDash val="solid"/>
+                      <a:round/>
+                      <a:headEnd len="sm" w="sm" type="none"/>
+                      <a:tailEnd len="sm" w="sm" type="none"/>
+                    </a:lnT>
+                    <a:lnB cap="flat" cmpd="sng" w="9525">
+                      <a:solidFill>
+                        <a:srgbClr val="FFFFFF"/>
+                      </a:solidFill>
+                      <a:prstDash val="solid"/>
+                      <a:round/>
+                      <a:headEnd len="sm" w="sm" type="none"/>
+                      <a:tailEnd len="sm" w="sm" type="none"/>
+                    </a:lnB>
+                    <a:solidFill>
+                      <a:srgbClr val="EFEFEF"/>
+                    </a:solidFill>
+                  </a:tcPr>
+                </a:tc>
+                <a:tc>
+                  <a:txBody>
+                    <a:bodyPr/>
+                    <a:lstStyle/>
+                    <a:p>
+                      <a:pPr indent="0" lvl="0" marL="0" rtl="0" algn="l">
+                        <a:spcBef>
+                          <a:spcPts val="0"/>
+                        </a:spcBef>
+                        <a:spcAft>
+                          <a:spcPts val="0"/>
+                        </a:spcAft>
+                        <a:buNone/>
+                      </a:pPr>
+                      <a:r>
+                        <a:t/>
+                      </a:r>
+                      <a:endParaRPr/>
+                    </a:p>
+                  </a:txBody>
+                  <a:tcPr marT="91425" marB="91425" marR="91425" marL="91425">
+                    <a:lnL cap="flat" cmpd="sng" w="9525">
+                      <a:solidFill>
+                        <a:srgbClr val="FFFFFF"/>
+                      </a:solidFill>
+                      <a:prstDash val="solid"/>
+                      <a:round/>
+                      <a:headEnd len="sm" w="sm" type="none"/>
+                      <a:tailEnd len="sm" w="sm" type="none"/>
+                    </a:lnL>
+                    <a:lnR cap="flat" cmpd="sng" w="9525">
+                      <a:solidFill>
+                        <a:srgbClr val="FFFFFF"/>
+                      </a:solidFill>
+                      <a:prstDash val="solid"/>
+                      <a:round/>
+                      <a:headEnd len="sm" w="sm" type="none"/>
+                      <a:tailEnd len="sm" w="sm" type="none"/>
+                    </a:lnR>
+                    <a:lnT cap="flat" cmpd="sng" w="9525">
+                      <a:solidFill>
+                        <a:srgbClr val="FFFFFF"/>
+                      </a:solidFill>
+                      <a:prstDash val="solid"/>
+                      <a:round/>
+                      <a:headEnd len="sm" w="sm" type="none"/>
+                      <a:tailEnd len="sm" w="sm" type="none"/>
+                    </a:lnT>
+                    <a:lnB cap="flat" cmpd="sng" w="9525">
+                      <a:solidFill>
+                        <a:srgbClr val="FFFFFF"/>
+                      </a:solidFill>
+                      <a:prstDash val="solid"/>
+                      <a:round/>
+                      <a:headEnd len="sm" w="sm" type="none"/>
+                      <a:tailEnd len="sm" w="sm" type="none"/>
+                    </a:lnB>
+                    <a:solidFill>
+                      <a:srgbClr val="EFEFEF"/>
+                    </a:solidFill>
+                  </a:tcPr>
+                </a:tc>
+                <a:tc>
+                  <a:txBody>
+                    <a:bodyPr/>
+                    <a:lstStyle/>
+                    <a:p>
+                      <a:pPr indent="0" lvl="0" marL="0" rtl="0" algn="l">
+                        <a:spcBef>
+                          <a:spcPts val="0"/>
+                        </a:spcBef>
+                        <a:spcAft>
+                          <a:spcPts val="0"/>
+                        </a:spcAft>
+                        <a:buNone/>
+                      </a:pPr>
+                      <a:r>
+                        <a:t/>
+                      </a:r>
+                      <a:endParaRPr/>
+                    </a:p>
+                  </a:txBody>
+                  <a:tcPr marT="91425" marB="91425" marR="91425" marL="91425">
+                    <a:lnL cap="flat" cmpd="sng" w="9525">
+                      <a:solidFill>
+                        <a:srgbClr val="FFFFFF"/>
+                      </a:solidFill>
+                      <a:prstDash val="solid"/>
+                      <a:round/>
+                      <a:headEnd len="sm" w="sm" type="none"/>
+                      <a:tailEnd len="sm" w="sm" type="none"/>
+                    </a:lnL>
+                    <a:lnR cap="flat" cmpd="sng" w="9525">
+                      <a:solidFill>
+                        <a:srgbClr val="FFFFFF"/>
+                      </a:solidFill>
+                      <a:prstDash val="solid"/>
+                      <a:round/>
+                      <a:headEnd len="sm" w="sm" type="none"/>
+                      <a:tailEnd len="sm" w="sm" type="none"/>
+                    </a:lnR>
+                    <a:lnT cap="flat" cmpd="sng" w="9525">
+                      <a:solidFill>
+                        <a:srgbClr val="FFFFFF"/>
+                      </a:solidFill>
+                      <a:prstDash val="solid"/>
+                      <a:round/>
+                      <a:headEnd len="sm" w="sm" type="none"/>
+                      <a:tailEnd len="sm" w="sm" type="none"/>
+                    </a:lnT>
+                    <a:lnB cap="flat" cmpd="sng" w="9525">
+                      <a:solidFill>
+                        <a:srgbClr val="FFFFFF"/>
+                      </a:solidFill>
+                      <a:prstDash val="solid"/>
+                      <a:round/>
+                      <a:headEnd len="sm" w="sm" type="none"/>
+                      <a:tailEnd len="sm" w="sm" type="none"/>
+                    </a:lnB>
+                    <a:solidFill>
+                      <a:srgbClr val="EFEFEF"/>
+                    </a:solidFill>
+                  </a:tcPr>
+                </a:tc>
+              </a:tr>
+              <a:tr h="701025">
+                <a:tc vMerge="1"/>
+                <a:tc>
+                  <a:txBody>
+                    <a:bodyPr/>
+                    <a:lstStyle/>
+                    <a:p>
+                      <a:pPr indent="0" lvl="0" marL="0" rtl="0" algn="l">
+                        <a:spcBef>
+                          <a:spcPts val="0"/>
+                        </a:spcBef>
+                        <a:spcAft>
+                          <a:spcPts val="0"/>
+                        </a:spcAft>
+                        <a:buNone/>
+                      </a:pPr>
+                      <a:r>
+                        <a:t/>
+                      </a:r>
+                      <a:endParaRPr/>
+                    </a:p>
+                  </a:txBody>
+                  <a:tcPr marT="91425" marB="91425" marR="91425" marL="91425">
+                    <a:lnL cap="flat" cmpd="sng" w="9525">
+                      <a:solidFill>
+                        <a:srgbClr val="FFFFFF"/>
+                      </a:solidFill>
+                      <a:prstDash val="solid"/>
+                      <a:round/>
+                      <a:headEnd len="sm" w="sm" type="none"/>
+                      <a:tailEnd len="sm" w="sm" type="none"/>
+                    </a:lnL>
+                    <a:lnR cap="flat" cmpd="sng" w="9525">
+                      <a:solidFill>
+                        <a:srgbClr val="FFFFFF"/>
+                      </a:solidFill>
+                      <a:prstDash val="solid"/>
+                      <a:round/>
+                      <a:headEnd len="sm" w="sm" type="none"/>
+                      <a:tailEnd len="sm" w="sm" type="none"/>
+                    </a:lnR>
+                    <a:lnT cap="flat" cmpd="sng" w="9525">
+                      <a:solidFill>
+                        <a:srgbClr val="FFFFFF"/>
+                      </a:solidFill>
+                      <a:prstDash val="solid"/>
+                      <a:round/>
+                      <a:headEnd len="sm" w="sm" type="none"/>
+                      <a:tailEnd len="sm" w="sm" type="none"/>
+                    </a:lnT>
+                    <a:lnB cap="flat" cmpd="sng" w="9525">
+                      <a:solidFill>
+                        <a:srgbClr val="FFFFFF"/>
+                      </a:solidFill>
+                      <a:prstDash val="solid"/>
+                      <a:round/>
+                      <a:headEnd len="sm" w="sm" type="none"/>
+                      <a:tailEnd len="sm" w="sm" type="none"/>
+                    </a:lnB>
+                    <a:solidFill>
+                      <a:srgbClr val="EFEFEF"/>
+                    </a:solidFill>
+                  </a:tcPr>
+                </a:tc>
+                <a:tc>
+                  <a:txBody>
+                    <a:bodyPr/>
+                    <a:lstStyle/>
+                    <a:p>
+                      <a:pPr indent="0" lvl="0" marL="0" rtl="0" algn="l">
+                        <a:spcBef>
+                          <a:spcPts val="0"/>
+                        </a:spcBef>
+                        <a:spcAft>
+                          <a:spcPts val="0"/>
+                        </a:spcAft>
+                        <a:buNone/>
+                      </a:pPr>
+                      <a:r>
+                        <a:t/>
+                      </a:r>
+                      <a:endParaRPr/>
+                    </a:p>
+                  </a:txBody>
+                  <a:tcPr marT="91425" marB="91425" marR="91425" marL="91425">
+                    <a:lnL cap="flat" cmpd="sng" w="9525">
+                      <a:solidFill>
+                        <a:srgbClr val="FFFFFF"/>
+                      </a:solidFill>
+                      <a:prstDash val="solid"/>
+                      <a:round/>
+                      <a:headEnd len="sm" w="sm" type="none"/>
+                      <a:tailEnd len="sm" w="sm" type="none"/>
+                    </a:lnL>
+                    <a:lnR cap="flat" cmpd="sng" w="9525">
+                      <a:solidFill>
+                        <a:srgbClr val="FFFFFF"/>
+                      </a:solidFill>
+                      <a:prstDash val="solid"/>
+                      <a:round/>
+                      <a:headEnd len="sm" w="sm" type="none"/>
+                      <a:tailEnd len="sm" w="sm" type="none"/>
+                    </a:lnR>
+                    <a:lnT cap="flat" cmpd="sng" w="9525">
+                      <a:solidFill>
+                        <a:srgbClr val="FFFFFF"/>
+                      </a:solidFill>
+                      <a:prstDash val="solid"/>
+                      <a:round/>
+                      <a:headEnd len="sm" w="sm" type="none"/>
+                      <a:tailEnd len="sm" w="sm" type="none"/>
+                    </a:lnT>
+                    <a:lnB cap="flat" cmpd="sng" w="9525">
+                      <a:solidFill>
+                        <a:srgbClr val="FFFFFF"/>
+                      </a:solidFill>
+                      <a:prstDash val="solid"/>
+                      <a:round/>
+                      <a:headEnd len="sm" w="sm" type="none"/>
+                      <a:tailEnd len="sm" w="sm" type="none"/>
+                    </a:lnB>
+                    <a:solidFill>
+                      <a:srgbClr val="EFEFEF"/>
+                    </a:solidFill>
+                  </a:tcPr>
+                </a:tc>
+                <a:tc>
+                  <a:txBody>
+                    <a:bodyPr/>
+                    <a:lstStyle/>
+                    <a:p>
+                      <a:pPr indent="0" lvl="0" marL="0" rtl="0" algn="l">
+                        <a:spcBef>
+                          <a:spcPts val="0"/>
+                        </a:spcBef>
+                        <a:spcAft>
+                          <a:spcPts val="0"/>
+                        </a:spcAft>
+                        <a:buNone/>
+                      </a:pPr>
+                      <a:r>
+                        <a:t/>
+                      </a:r>
+                      <a:endParaRPr/>
+                    </a:p>
+                  </a:txBody>
+                  <a:tcPr marT="91425" marB="91425" marR="91425" marL="91425">
+                    <a:lnL cap="flat" cmpd="sng" w="9525">
+                      <a:solidFill>
+                        <a:srgbClr val="FFFFFF"/>
+                      </a:solidFill>
+                      <a:prstDash val="solid"/>
+                      <a:round/>
+                      <a:headEnd len="sm" w="sm" type="none"/>
+                      <a:tailEnd len="sm" w="sm" type="none"/>
+                    </a:lnL>
+                    <a:lnR cap="flat" cmpd="sng" w="9525">
+                      <a:solidFill>
+                        <a:srgbClr val="FFFFFF"/>
+                      </a:solidFill>
+                      <a:prstDash val="solid"/>
+                      <a:round/>
+                      <a:headEnd len="sm" w="sm" type="none"/>
+                      <a:tailEnd len="sm" w="sm" type="none"/>
+                    </a:lnR>
+                    <a:lnT cap="flat" cmpd="sng" w="9525">
+                      <a:solidFill>
+                        <a:srgbClr val="FFFFFF"/>
+                      </a:solidFill>
+                      <a:prstDash val="solid"/>
+                      <a:round/>
+                      <a:headEnd len="sm" w="sm" type="none"/>
+                      <a:tailEnd len="sm" w="sm" type="none"/>
+                    </a:lnT>
+                    <a:lnB cap="flat" cmpd="sng" w="9525">
+                      <a:solidFill>
+                        <a:srgbClr val="FFFFFF"/>
+                      </a:solidFill>
+                      <a:prstDash val="solid"/>
+                      <a:round/>
+                      <a:headEnd len="sm" w="sm" type="none"/>
+                      <a:tailEnd len="sm" w="sm" type="none"/>
+                    </a:lnB>
+                    <a:solidFill>
+                      <a:srgbClr val="EFEFEF"/>
+                    </a:solidFill>
+                  </a:tcPr>
+                </a:tc>
+                <a:tc>
+                  <a:txBody>
+                    <a:bodyPr/>
+                    <a:lstStyle/>
+                    <a:p>
+                      <a:pPr indent="0" lvl="0" marL="0" rtl="0" algn="l">
+                        <a:spcBef>
+                          <a:spcPts val="0"/>
+                        </a:spcBef>
+                        <a:spcAft>
+                          <a:spcPts val="0"/>
+                        </a:spcAft>
+                        <a:buNone/>
+                      </a:pPr>
+                      <a:r>
+                        <a:t/>
+                      </a:r>
+                      <a:endParaRPr/>
+                    </a:p>
+                  </a:txBody>
+                  <a:tcPr marT="91425" marB="91425" marR="91425" marL="91425">
+                    <a:lnL cap="flat" cmpd="sng" w="9525">
+                      <a:solidFill>
+                        <a:srgbClr val="FFFFFF"/>
+                      </a:solidFill>
+                      <a:prstDash val="solid"/>
+                      <a:round/>
+                      <a:headEnd len="sm" w="sm" type="none"/>
+                      <a:tailEnd len="sm" w="sm" type="none"/>
+                    </a:lnL>
+                    <a:lnR cap="flat" cmpd="sng" w="9525">
+                      <a:solidFill>
+                        <a:srgbClr val="FFFFFF"/>
+                      </a:solidFill>
+                      <a:prstDash val="solid"/>
+                      <a:round/>
+                      <a:headEnd len="sm" w="sm" type="none"/>
+                      <a:tailEnd len="sm" w="sm" type="none"/>
+                    </a:lnR>
+                    <a:lnT cap="flat" cmpd="sng" w="9525">
+                      <a:solidFill>
+                        <a:srgbClr val="FFFFFF"/>
+                      </a:solidFill>
+                      <a:prstDash val="solid"/>
+                      <a:round/>
+                      <a:headEnd len="sm" w="sm" type="none"/>
+                      <a:tailEnd len="sm" w="sm" type="none"/>
+                    </a:lnT>
+                    <a:lnB cap="flat" cmpd="sng" w="9525">
+                      <a:solidFill>
+                        <a:srgbClr val="FFFFFF"/>
+                      </a:solidFill>
+                      <a:prstDash val="solid"/>
+                      <a:round/>
+                      <a:headEnd len="sm" w="sm" type="none"/>
+                      <a:tailEnd len="sm" w="sm" type="none"/>
+                    </a:lnB>
+                    <a:solidFill>
+                      <a:srgbClr val="EFEFEF"/>
+                    </a:solidFill>
+                  </a:tcPr>
+                </a:tc>
+                <a:tc>
+                  <a:txBody>
+                    <a:bodyPr/>
+                    <a:lstStyle/>
+                    <a:p>
+                      <a:pPr indent="0" lvl="0" marL="0" rtl="0" algn="l">
+                        <a:spcBef>
+                          <a:spcPts val="0"/>
+                        </a:spcBef>
+                        <a:spcAft>
+                          <a:spcPts val="0"/>
+                        </a:spcAft>
+                        <a:buNone/>
+                      </a:pPr>
+                      <a:r>
+                        <a:t/>
+                      </a:r>
+                      <a:endParaRPr/>
+                    </a:p>
+                  </a:txBody>
+                  <a:tcPr marT="91425" marB="91425" marR="91425" marL="91425">
+                    <a:lnL cap="flat" cmpd="sng" w="9525">
+                      <a:solidFill>
+                        <a:srgbClr val="FFFFFF"/>
+                      </a:solidFill>
+                      <a:prstDash val="solid"/>
+                      <a:round/>
+                      <a:headEnd len="sm" w="sm" type="none"/>
+                      <a:tailEnd len="sm" w="sm" type="none"/>
+                    </a:lnL>
+                    <a:lnR cap="flat" cmpd="sng" w="9525">
+                      <a:solidFill>
+                        <a:srgbClr val="FFFFFF"/>
+                      </a:solidFill>
+                      <a:prstDash val="solid"/>
+                      <a:round/>
+                      <a:headEnd len="sm" w="sm" type="none"/>
+                      <a:tailEnd len="sm" w="sm" type="none"/>
+                    </a:lnR>
+                    <a:lnT cap="flat" cmpd="sng" w="9525">
+                      <a:solidFill>
+                        <a:srgbClr val="FFFFFF"/>
+                      </a:solidFill>
+                      <a:prstDash val="solid"/>
+                      <a:round/>
+                      <a:headEnd len="sm" w="sm" type="none"/>
+                      <a:tailEnd len="sm" w="sm" type="none"/>
+                    </a:lnT>
+                    <a:lnB cap="flat" cmpd="sng" w="9525">
+                      <a:solidFill>
+                        <a:srgbClr val="FFFFFF"/>
+                      </a:solidFill>
+                      <a:prstDash val="solid"/>
+                      <a:round/>
+                      <a:headEnd len="sm" w="sm" type="none"/>
+                      <a:tailEnd len="sm" w="sm" type="none"/>
+                    </a:lnB>
+                    <a:solidFill>
+                      <a:srgbClr val="EFEFEF"/>
+                    </a:solidFill>
+                  </a:tcPr>
+                </a:tc>
+              </a:tr>
+              <a:tr h="936100">
+                <a:tc vMerge="1"/>
+                <a:tc>
+                  <a:txBody>
+                    <a:bodyPr/>
+                    <a:lstStyle/>
+                    <a:p>
+                      <a:pPr indent="0" lvl="0" marL="0" rtl="0" algn="l">
+                        <a:spcBef>
+                          <a:spcPts val="0"/>
+                        </a:spcBef>
+                        <a:spcAft>
+                          <a:spcPts val="0"/>
+                        </a:spcAft>
+                        <a:buNone/>
+                      </a:pPr>
+                      <a:r>
+                        <a:t/>
+                      </a:r>
+                      <a:endParaRPr/>
+                    </a:p>
+                  </a:txBody>
+                  <a:tcPr marT="91425" marB="91425" marR="91425" marL="91425">
+                    <a:lnL cap="flat" cmpd="sng" w="9525">
+                      <a:solidFill>
+                        <a:srgbClr val="FFFFFF"/>
+                      </a:solidFill>
+                      <a:prstDash val="solid"/>
+                      <a:round/>
+                      <a:headEnd len="sm" w="sm" type="none"/>
+                      <a:tailEnd len="sm" w="sm" type="none"/>
+                    </a:lnL>
+                    <a:lnR cap="flat" cmpd="sng" w="9525">
+                      <a:solidFill>
+                        <a:srgbClr val="FFFFFF"/>
+                      </a:solidFill>
+                      <a:prstDash val="solid"/>
+                      <a:round/>
+                      <a:headEnd len="sm" w="sm" type="none"/>
+                      <a:tailEnd len="sm" w="sm" type="none"/>
+                    </a:lnR>
+                    <a:lnT cap="flat" cmpd="sng" w="9525">
+                      <a:solidFill>
+                        <a:srgbClr val="FFFFFF"/>
+                      </a:solidFill>
+                      <a:prstDash val="solid"/>
+                      <a:round/>
+                      <a:headEnd len="sm" w="sm" type="none"/>
+                      <a:tailEnd len="sm" w="sm" type="none"/>
+                    </a:lnT>
+                    <a:lnB cap="flat" cmpd="sng" w="9525">
+                      <a:solidFill>
+                        <a:srgbClr val="FFFFFF"/>
+                      </a:solidFill>
+                      <a:prstDash val="solid"/>
+                      <a:round/>
+                      <a:headEnd len="sm" w="sm" type="none"/>
+                      <a:tailEnd len="sm" w="sm" type="none"/>
+                    </a:lnB>
+                    <a:solidFill>
+                      <a:srgbClr val="EFEFEF"/>
+                    </a:solidFill>
+                  </a:tcPr>
+                </a:tc>
+                <a:tc>
+                  <a:txBody>
+                    <a:bodyPr/>
+                    <a:lstStyle/>
+                    <a:p>
+                      <a:pPr indent="0" lvl="0" marL="0" rtl="0" algn="l">
+                        <a:spcBef>
+                          <a:spcPts val="0"/>
+                        </a:spcBef>
+                        <a:spcAft>
+                          <a:spcPts val="0"/>
+                        </a:spcAft>
+                        <a:buNone/>
+                      </a:pPr>
+                      <a:r>
+                        <a:t/>
+                      </a:r>
+                      <a:endParaRPr/>
+                    </a:p>
+                  </a:txBody>
+                  <a:tcPr marT="91425" marB="91425" marR="91425" marL="91425">
+                    <a:lnL cap="flat" cmpd="sng" w="9525">
+                      <a:solidFill>
+                        <a:srgbClr val="FFFFFF"/>
+                      </a:solidFill>
+                      <a:prstDash val="solid"/>
+                      <a:round/>
+                      <a:headEnd len="sm" w="sm" type="none"/>
+                      <a:tailEnd len="sm" w="sm" type="none"/>
+                    </a:lnL>
+                    <a:lnR cap="flat" cmpd="sng" w="9525">
+                      <a:solidFill>
+                        <a:srgbClr val="FFFFFF"/>
+                      </a:solidFill>
+                      <a:prstDash val="solid"/>
+                      <a:round/>
+                      <a:headEnd len="sm" w="sm" type="none"/>
+                      <a:tailEnd len="sm" w="sm" type="none"/>
+                    </a:lnR>
+                    <a:lnT cap="flat" cmpd="sng" w="9525">
+                      <a:solidFill>
+                        <a:srgbClr val="FFFFFF"/>
+                      </a:solidFill>
+                      <a:prstDash val="solid"/>
+                      <a:round/>
+                      <a:headEnd len="sm" w="sm" type="none"/>
+                      <a:tailEnd len="sm" w="sm" type="none"/>
+                    </a:lnT>
+                    <a:lnB cap="flat" cmpd="sng" w="9525">
+                      <a:solidFill>
+                        <a:srgbClr val="FFFFFF"/>
+                      </a:solidFill>
+                      <a:prstDash val="solid"/>
+                      <a:round/>
+                      <a:headEnd len="sm" w="sm" type="none"/>
+                      <a:tailEnd len="sm" w="sm" type="none"/>
+                    </a:lnB>
+                    <a:solidFill>
+                      <a:srgbClr val="EFEFEF"/>
+                    </a:solidFill>
+                  </a:tcPr>
+                </a:tc>
+                <a:tc>
+                  <a:txBody>
+                    <a:bodyPr/>
+                    <a:lstStyle/>
+                    <a:p>
+                      <a:pPr indent="0" lvl="0" marL="0" rtl="0" algn="l">
+                        <a:spcBef>
+                          <a:spcPts val="0"/>
+                        </a:spcBef>
+                        <a:spcAft>
+                          <a:spcPts val="0"/>
+                        </a:spcAft>
+                        <a:buNone/>
+                      </a:pPr>
+                      <a:r>
+                        <a:t/>
+                      </a:r>
+                      <a:endParaRPr/>
+                    </a:p>
+                  </a:txBody>
+                  <a:tcPr marT="91425" marB="91425" marR="91425" marL="91425">
+                    <a:lnL cap="flat" cmpd="sng" w="9525">
+                      <a:solidFill>
+                        <a:srgbClr val="FFFFFF"/>
+                      </a:solidFill>
+                      <a:prstDash val="solid"/>
+                      <a:round/>
+                      <a:headEnd len="sm" w="sm" type="none"/>
+                      <a:tailEnd len="sm" w="sm" type="none"/>
+                    </a:lnL>
+                    <a:lnR cap="flat" cmpd="sng" w="9525">
+                      <a:solidFill>
+                        <a:srgbClr val="FFFFFF"/>
+                      </a:solidFill>
+                      <a:prstDash val="solid"/>
+                      <a:round/>
+                      <a:headEnd len="sm" w="sm" type="none"/>
+                      <a:tailEnd len="sm" w="sm" type="none"/>
+                    </a:lnR>
+                    <a:lnT cap="flat" cmpd="sng" w="9525">
+                      <a:solidFill>
+                        <a:srgbClr val="FFFFFF"/>
+                      </a:solidFill>
+                      <a:prstDash val="solid"/>
+                      <a:round/>
+                      <a:headEnd len="sm" w="sm" type="none"/>
+                      <a:tailEnd len="sm" w="sm" type="none"/>
+                    </a:lnT>
+                    <a:lnB cap="flat" cmpd="sng" w="9525">
+                      <a:solidFill>
+                        <a:srgbClr val="FFFFFF"/>
+                      </a:solidFill>
+                      <a:prstDash val="solid"/>
+                      <a:round/>
+                      <a:headEnd len="sm" w="sm" type="none"/>
+                      <a:tailEnd len="sm" w="sm" type="none"/>
+                    </a:lnB>
+                    <a:solidFill>
+                      <a:srgbClr val="EFEFEF"/>
+                    </a:solidFill>
+                  </a:tcPr>
+                </a:tc>
+                <a:tc>
+                  <a:txBody>
+                    <a:bodyPr/>
+                    <a:lstStyle/>
+                    <a:p>
+                      <a:pPr indent="0" lvl="0" marL="0" rtl="0" algn="l">
+                        <a:spcBef>
+                          <a:spcPts val="0"/>
+                        </a:spcBef>
+                        <a:spcAft>
+                          <a:spcPts val="0"/>
+                        </a:spcAft>
+                        <a:buNone/>
+                      </a:pPr>
+                      <a:r>
+                        <a:t/>
+                      </a:r>
+                      <a:endParaRPr/>
+                    </a:p>
+                  </a:txBody>
+                  <a:tcPr marT="91425" marB="91425" marR="91425" marL="91425">
+                    <a:lnL cap="flat" cmpd="sng" w="9525">
+                      <a:solidFill>
+                        <a:srgbClr val="FFFFFF"/>
+                      </a:solidFill>
+                      <a:prstDash val="solid"/>
+                      <a:round/>
+                      <a:headEnd len="sm" w="sm" type="none"/>
+                      <a:tailEnd len="sm" w="sm" type="none"/>
+                    </a:lnL>
+                    <a:lnR cap="flat" cmpd="sng" w="9525">
+                      <a:solidFill>
+                        <a:srgbClr val="FFFFFF"/>
+                      </a:solidFill>
+                      <a:prstDash val="solid"/>
+                      <a:round/>
+                      <a:headEnd len="sm" w="sm" type="none"/>
+                      <a:tailEnd len="sm" w="sm" type="none"/>
+                    </a:lnR>
+                    <a:lnT cap="flat" cmpd="sng" w="9525">
+                      <a:solidFill>
+                        <a:srgbClr val="FFFFFF"/>
+                      </a:solidFill>
+                      <a:prstDash val="solid"/>
+                      <a:round/>
+                      <a:headEnd len="sm" w="sm" type="none"/>
+                      <a:tailEnd len="sm" w="sm" type="none"/>
+                    </a:lnT>
+                    <a:lnB cap="flat" cmpd="sng" w="9525">
+                      <a:solidFill>
+                        <a:srgbClr val="FFFFFF"/>
+                      </a:solidFill>
+                      <a:prstDash val="solid"/>
+                      <a:round/>
+                      <a:headEnd len="sm" w="sm" type="none"/>
+                      <a:tailEnd len="sm" w="sm" type="none"/>
+                    </a:lnB>
+                    <a:solidFill>
+                      <a:srgbClr val="EFEFEF"/>
+                    </a:solidFill>
+                  </a:tcPr>
+                </a:tc>
+                <a:tc>
+                  <a:txBody>
+                    <a:bodyPr/>
+                    <a:lstStyle/>
+                    <a:p>
+                      <a:pPr indent="0" lvl="0" marL="0" rtl="0" algn="l">
+                        <a:spcBef>
+                          <a:spcPts val="0"/>
+                        </a:spcBef>
+                        <a:spcAft>
+                          <a:spcPts val="0"/>
+                        </a:spcAft>
+                        <a:buNone/>
+                      </a:pPr>
+                      <a:r>
+                        <a:t/>
+                      </a:r>
+                      <a:endParaRPr/>
+                    </a:p>
+                  </a:txBody>
+                  <a:tcPr marT="91425" marB="91425" marR="91425" marL="91425">
+                    <a:lnL cap="flat" cmpd="sng" w="9525">
+                      <a:solidFill>
+                        <a:srgbClr val="FFFFFF"/>
+                      </a:solidFill>
+                      <a:prstDash val="solid"/>
+                      <a:round/>
+                      <a:headEnd len="sm" w="sm" type="none"/>
+                      <a:tailEnd len="sm" w="sm" type="none"/>
+                    </a:lnL>
+                    <a:lnR cap="flat" cmpd="sng" w="9525">
+                      <a:solidFill>
+                        <a:srgbClr val="FFFFFF"/>
+                      </a:solidFill>
+                      <a:prstDash val="solid"/>
+                      <a:round/>
+                      <a:headEnd len="sm" w="sm" type="none"/>
+                      <a:tailEnd len="sm" w="sm" type="none"/>
+                    </a:lnR>
+                    <a:lnT cap="flat" cmpd="sng" w="9525">
+                      <a:solidFill>
+                        <a:srgbClr val="FFFFFF"/>
+                      </a:solidFill>
+                      <a:prstDash val="solid"/>
+                      <a:round/>
+                      <a:headEnd len="sm" w="sm" type="none"/>
+                      <a:tailEnd len="sm" w="sm" type="none"/>
+                    </a:lnT>
+                    <a:lnB cap="flat" cmpd="sng" w="9525">
+                      <a:solidFill>
+                        <a:srgbClr val="FFFFFF"/>
+                      </a:solidFill>
+                      <a:prstDash val="solid"/>
+                      <a:round/>
+                      <a:headEnd len="sm" w="sm" type="none"/>
+                      <a:tailEnd len="sm" w="sm" type="none"/>
+                    </a:lnB>
+                    <a:solidFill>
+                      <a:srgbClr val="EFEFEF"/>
+                    </a:solidFill>
+                  </a:tcPr>
+                </a:tc>
+              </a:tr>
+            </a:tbl>
+          </a:graphicData>
+        </a:graphic>
+      </p:graphicFrame>
     </p:spTree>
   </p:cSld>
   <p:clrMapOvr>
@@ -16838,7 +19577,7 @@
   <p:cSld>
     <p:spTree>
       <p:nvGrpSpPr>
-        <p:cNvPr id="152" name="Shape 152"/>
+        <p:cNvPr id="153" name="Shape 153"/>
         <p:cNvGrpSpPr/>
         <p:nvPr/>
       </p:nvGrpSpPr>
@@ -16852,7 +19591,7 @@
       </p:grpSpPr>
       <p:sp>
         <p:nvSpPr>
-          <p:cNvPr id="153" name="Google Shape;153;p5"/>
+          <p:cNvPr id="154" name="Google Shape;154;p4"/>
           <p:cNvSpPr txBox="1"/>
           <p:nvPr>
             <p:ph type="title"/>
@@ -16904,7 +19643,7 @@
                 <a:cs typeface="Gulimche"/>
                 <a:sym typeface="Gulimche"/>
               </a:rPr>
-              <a:t>시스템 구조</a:t>
+              <a:t>기능정의서</a:t>
             </a:r>
             <a:endParaRPr/>
           </a:p>
@@ -16923,7 +19662,7 @@
   <p:cSld>
     <p:spTree>
       <p:nvGrpSpPr>
-        <p:cNvPr id="157" name="Shape 157"/>
+        <p:cNvPr id="158" name="Shape 158"/>
         <p:cNvGrpSpPr/>
         <p:nvPr/>
       </p:nvGrpSpPr>
@@ -16937,7 +19676,7 @@
       </p:grpSpPr>
       <p:sp>
         <p:nvSpPr>
-          <p:cNvPr id="158" name="Google Shape;158;p6"/>
+          <p:cNvPr id="159" name="Google Shape;159;p5"/>
           <p:cNvSpPr txBox="1"/>
           <p:nvPr>
             <p:ph type="title"/>
@@ -16989,7 +19728,7 @@
                 <a:cs typeface="Gulimche"/>
                 <a:sym typeface="Gulimche"/>
               </a:rPr>
-              <a:t>플로우 챠트</a:t>
+              <a:t>시스템 구조</a:t>
             </a:r>
             <a:endParaRPr/>
           </a:p>
@@ -17008,7 +19747,7 @@
   <p:cSld>
     <p:spTree>
       <p:nvGrpSpPr>
-        <p:cNvPr id="162" name="Shape 162"/>
+        <p:cNvPr id="163" name="Shape 163"/>
         <p:cNvGrpSpPr/>
         <p:nvPr/>
       </p:nvGrpSpPr>
@@ -17022,7 +19761,7 @@
       </p:grpSpPr>
       <p:sp>
         <p:nvSpPr>
-          <p:cNvPr id="163" name="Google Shape;163;p7"/>
+          <p:cNvPr id="164" name="Google Shape;164;p6"/>
           <p:cNvSpPr txBox="1"/>
           <p:nvPr>
             <p:ph type="title"/>
@@ -17074,7 +19813,7 @@
                 <a:cs typeface="Gulimche"/>
                 <a:sym typeface="Gulimche"/>
               </a:rPr>
-              <a:t>인터페이스 설계</a:t>
+              <a:t>플로우 챠트</a:t>
             </a:r>
             <a:endParaRPr/>
           </a:p>
@@ -17093,7 +19832,7 @@
   <p:cSld>
     <p:spTree>
       <p:nvGrpSpPr>
-        <p:cNvPr id="167" name="Shape 167"/>
+        <p:cNvPr id="168" name="Shape 168"/>
         <p:cNvGrpSpPr/>
         <p:nvPr/>
       </p:nvGrpSpPr>
@@ -17107,7 +19846,7 @@
       </p:grpSpPr>
       <p:sp>
         <p:nvSpPr>
-          <p:cNvPr id="168" name="Google Shape;168;p8"/>
+          <p:cNvPr id="169" name="Google Shape;169;p7"/>
           <p:cNvSpPr txBox="1"/>
           <p:nvPr>
             <p:ph type="title"/>
@@ -17159,7 +19898,7 @@
                 <a:cs typeface="Gulimche"/>
                 <a:sym typeface="Gulimche"/>
               </a:rPr>
-              <a:t>API 설계</a:t>
+              <a:t>인터페이스 설계</a:t>
             </a:r>
             <a:endParaRPr/>
           </a:p>
@@ -17178,7 +19917,7 @@
   <p:cSld>
     <p:spTree>
       <p:nvGrpSpPr>
-        <p:cNvPr id="172" name="Shape 172"/>
+        <p:cNvPr id="173" name="Shape 173"/>
         <p:cNvGrpSpPr/>
         <p:nvPr/>
       </p:nvGrpSpPr>
@@ -17192,7 +19931,7 @@
       </p:grpSpPr>
       <p:sp>
         <p:nvSpPr>
-          <p:cNvPr id="173" name="Google Shape;173;p9"/>
+          <p:cNvPr id="174" name="Google Shape;174;p8"/>
           <p:cNvSpPr txBox="1"/>
           <p:nvPr>
             <p:ph type="title"/>
@@ -17244,7 +19983,7 @@
                 <a:cs typeface="Gulimche"/>
                 <a:sym typeface="Gulimche"/>
               </a:rPr>
-              <a:t>데이터베이스 설계</a:t>
+              <a:t>API 설계</a:t>
             </a:r>
             <a:endParaRPr/>
           </a:p>
@@ -17263,7 +20002,7 @@
   <p:cSld>
     <p:spTree>
       <p:nvGrpSpPr>
-        <p:cNvPr id="177" name="Shape 177"/>
+        <p:cNvPr id="178" name="Shape 178"/>
         <p:cNvGrpSpPr/>
         <p:nvPr/>
       </p:nvGrpSpPr>
@@ -17277,7 +20016,7 @@
       </p:grpSpPr>
       <p:sp>
         <p:nvSpPr>
-          <p:cNvPr id="178" name="Google Shape;178;p10"/>
+          <p:cNvPr id="179" name="Google Shape;179;p9"/>
           <p:cNvSpPr txBox="1"/>
           <p:nvPr>
             <p:ph type="title"/>
@@ -17329,7 +20068,7 @@
                 <a:cs typeface="Gulimche"/>
                 <a:sym typeface="Gulimche"/>
               </a:rPr>
-              <a:t>블록체인 설계</a:t>
+              <a:t>데이터베이스 설계</a:t>
             </a:r>
             <a:endParaRPr/>
           </a:p>
@@ -17348,7 +20087,7 @@
   <p:cSld>
     <p:spTree>
       <p:nvGrpSpPr>
-        <p:cNvPr id="182" name="Shape 182"/>
+        <p:cNvPr id="183" name="Shape 183"/>
         <p:cNvGrpSpPr/>
         <p:nvPr/>
       </p:nvGrpSpPr>
@@ -17362,7 +20101,7 @@
       </p:grpSpPr>
       <p:sp>
         <p:nvSpPr>
-          <p:cNvPr id="183" name="Google Shape;183;p11"/>
+          <p:cNvPr id="184" name="Google Shape;184;p10"/>
           <p:cNvSpPr txBox="1"/>
           <p:nvPr>
             <p:ph type="title"/>
@@ -17414,6 +20153,91 @@
                 <a:cs typeface="Gulimche"/>
                 <a:sym typeface="Gulimche"/>
               </a:rPr>
+              <a:t>블록체인 설계</a:t>
+            </a:r>
+            <a:endParaRPr/>
+          </a:p>
+        </p:txBody>
+      </p:sp>
+    </p:spTree>
+  </p:cSld>
+  <p:clrMapOvr>
+    <a:masterClrMapping/>
+  </p:clrMapOvr>
+</p:sld>
+</file>
+
+<file path=ppt/slides/slide18.xml><?xml version="1.0" encoding="utf-8"?>
+<p:sld xmlns:a="http://schemas.openxmlformats.org/drawingml/2006/main" xmlns:r="http://schemas.openxmlformats.org/officeDocument/2006/relationships" xmlns:mc="http://schemas.openxmlformats.org/markup-compatibility/2006" xmlns:mv="urn:schemas-microsoft-com:mac:vml" xmlns:p="http://schemas.openxmlformats.org/presentationml/2006/main" xmlns:c="http://schemas.openxmlformats.org/drawingml/2006/chart" xmlns:dgm="http://schemas.openxmlformats.org/drawingml/2006/diagram" xmlns:o="urn:schemas-microsoft-com:office:office" xmlns:v="urn:schemas-microsoft-com:vml" xmlns:pvml="urn:schemas-microsoft-com:office:powerpoint" xmlns:com="http://schemas.openxmlformats.org/drawingml/2006/compatibility" xmlns:p14="http://schemas.microsoft.com/office/powerpoint/2010/main" xmlns:p15="http://schemas.microsoft.com/office/powerpoint/2012/main">
+  <p:cSld>
+    <p:spTree>
+      <p:nvGrpSpPr>
+        <p:cNvPr id="188" name="Shape 188"/>
+        <p:cNvGrpSpPr/>
+        <p:nvPr/>
+      </p:nvGrpSpPr>
+      <p:grpSpPr>
+        <a:xfrm>
+          <a:off x="0" y="0"/>
+          <a:ext cx="0" cy="0"/>
+          <a:chOff x="0" y="0"/>
+          <a:chExt cx="0" cy="0"/>
+        </a:xfrm>
+      </p:grpSpPr>
+      <p:sp>
+        <p:nvSpPr>
+          <p:cNvPr id="189" name="Google Shape;189;p11"/>
+          <p:cNvSpPr txBox="1"/>
+          <p:nvPr>
+            <p:ph type="title"/>
+          </p:nvPr>
+        </p:nvSpPr>
+        <p:spPr>
+          <a:xfrm>
+            <a:off x="685800" y="152400"/>
+            <a:ext cx="7772400" cy="685800"/>
+          </a:xfrm>
+          <a:prstGeom prst="rect">
+            <a:avLst/>
+          </a:prstGeom>
+          <a:noFill/>
+          <a:ln>
+            <a:noFill/>
+          </a:ln>
+        </p:spPr>
+        <p:txBody>
+          <a:bodyPr anchorCtr="0" anchor="ctr" bIns="46025" lIns="92075" spcFirstLastPara="1" rIns="92075" wrap="square" tIns="46025">
+            <a:noAutofit/>
+          </a:bodyPr>
+          <a:lstStyle/>
+          <a:p>
+            <a:pPr indent="0" lvl="0" marL="0" rtl="0" algn="ctr">
+              <a:lnSpc>
+                <a:spcPct val="100000"/>
+              </a:lnSpc>
+              <a:spcBef>
+                <a:spcPts val="0"/>
+              </a:spcBef>
+              <a:spcAft>
+                <a:spcPts val="0"/>
+              </a:spcAft>
+              <a:buClr>
+                <a:schemeClr val="dk2"/>
+              </a:buClr>
+              <a:buSzPts val="3200"/>
+              <a:buFont typeface="Gulimche"/>
+              <a:buNone/>
+            </a:pPr>
+            <a:r>
+              <a:rPr b="1" i="0" lang="en-US" sz="3200" u="none">
+                <a:solidFill>
+                  <a:schemeClr val="dk2"/>
+                </a:solidFill>
+                <a:latin typeface="Gulimche"/>
+                <a:ea typeface="Gulimche"/>
+                <a:cs typeface="Gulimche"/>
+                <a:sym typeface="Gulimche"/>
+              </a:rPr>
               <a:t>프로젝트 일정표</a:t>
             </a:r>
             <a:endParaRPr/>
@@ -17422,7 +20246,7 @@
       </p:sp>
       <p:sp>
         <p:nvSpPr>
-          <p:cNvPr id="184" name="Google Shape;184;p11"/>
+          <p:cNvPr id="190" name="Google Shape;190;p11"/>
           <p:cNvSpPr txBox="1"/>
           <p:nvPr>
             <p:ph idx="1" type="body"/>
@@ -17482,7 +20306,7 @@
       </p:sp>
       <p:graphicFrame>
         <p:nvGraphicFramePr>
-          <p:cNvPr id="185" name="Google Shape;185;p11"/>
+          <p:cNvPr id="191" name="Google Shape;191;p11"/>
           <p:cNvGraphicFramePr/>
           <p:nvPr/>
         </p:nvGraphicFramePr>
@@ -17495,7 +20319,7 @@
             <a:tbl>
               <a:tblPr>
                 <a:noFill/>
-                <a:tableStyleId>{1A1E1730-934C-4006-9810-6488B2D48F98}</a:tableStyleId>
+                <a:tableStyleId>{49F9C239-C741-4F9E-BABB-F980A697429C}</a:tableStyleId>
               </a:tblPr>
               <a:tblGrid>
                 <a:gridCol w="719125"/>
@@ -21580,12 +24404,12 @@
 </p:sld>
 </file>
 
-<file path=ppt/slides/slide18.xml><?xml version="1.0" encoding="utf-8"?>
+<file path=ppt/slides/slide19.xml><?xml version="1.0" encoding="utf-8"?>
 <p:sld xmlns:a="http://schemas.openxmlformats.org/drawingml/2006/main" xmlns:r="http://schemas.openxmlformats.org/officeDocument/2006/relationships" xmlns:mc="http://schemas.openxmlformats.org/markup-compatibility/2006" xmlns:mv="urn:schemas-microsoft-com:mac:vml" xmlns:p="http://schemas.openxmlformats.org/presentationml/2006/main" xmlns:c="http://schemas.openxmlformats.org/drawingml/2006/chart" xmlns:dgm="http://schemas.openxmlformats.org/drawingml/2006/diagram" xmlns:o="urn:schemas-microsoft-com:office:office" xmlns:v="urn:schemas-microsoft-com:vml" xmlns:pvml="urn:schemas-microsoft-com:office:powerpoint" xmlns:com="http://schemas.openxmlformats.org/drawingml/2006/compatibility" xmlns:p14="http://schemas.microsoft.com/office/powerpoint/2010/main" xmlns:p15="http://schemas.microsoft.com/office/powerpoint/2012/main">
   <p:cSld>
     <p:spTree>
       <p:nvGrpSpPr>
-        <p:cNvPr id="189" name="Shape 189"/>
+        <p:cNvPr id="195" name="Shape 195"/>
         <p:cNvGrpSpPr/>
         <p:nvPr/>
       </p:nvGrpSpPr>
@@ -21599,7 +24423,7 @@
       </p:grpSpPr>
       <p:sp>
         <p:nvSpPr>
-          <p:cNvPr id="190" name="Google Shape;190;p12"/>
+          <p:cNvPr id="196" name="Google Shape;196;p12"/>
           <p:cNvSpPr txBox="1"/>
           <p:nvPr>
             <p:ph type="title"/>
@@ -21659,7 +24483,7 @@
       </p:sp>
       <p:sp>
         <p:nvSpPr>
-          <p:cNvPr id="191" name="Google Shape;191;p12"/>
+          <p:cNvPr id="197" name="Google Shape;197;p12"/>
           <p:cNvSpPr txBox="1"/>
           <p:nvPr>
             <p:ph idx="1" type="body"/>
@@ -21986,139 +24810,6 @@
               <a:cs typeface="Dotumche"/>
               <a:sym typeface="Dotumche"/>
             </a:endParaRPr>
-          </a:p>
-        </p:txBody>
-      </p:sp>
-    </p:spTree>
-  </p:cSld>
-  <p:clrMapOvr>
-    <a:masterClrMapping/>
-  </p:clrMapOvr>
-</p:sld>
-</file>
-
-<file path=ppt/slides/slide19.xml><?xml version="1.0" encoding="utf-8"?>
-<p:sld xmlns:a="http://schemas.openxmlformats.org/drawingml/2006/main" xmlns:r="http://schemas.openxmlformats.org/officeDocument/2006/relationships" xmlns:mc="http://schemas.openxmlformats.org/markup-compatibility/2006" xmlns:mv="urn:schemas-microsoft-com:mac:vml" xmlns:p="http://schemas.openxmlformats.org/presentationml/2006/main" xmlns:c="http://schemas.openxmlformats.org/drawingml/2006/chart" xmlns:dgm="http://schemas.openxmlformats.org/drawingml/2006/diagram" xmlns:o="urn:schemas-microsoft-com:office:office" xmlns:v="urn:schemas-microsoft-com:vml" xmlns:pvml="urn:schemas-microsoft-com:office:powerpoint" xmlns:com="http://schemas.openxmlformats.org/drawingml/2006/compatibility" xmlns:p14="http://schemas.microsoft.com/office/powerpoint/2010/main" xmlns:p15="http://schemas.microsoft.com/office/powerpoint/2012/main">
-  <p:cSld>
-    <p:spTree>
-      <p:nvGrpSpPr>
-        <p:cNvPr id="195" name="Shape 195"/>
-        <p:cNvGrpSpPr/>
-        <p:nvPr/>
-      </p:nvGrpSpPr>
-      <p:grpSpPr>
-        <a:xfrm>
-          <a:off x="0" y="0"/>
-          <a:ext cx="0" cy="0"/>
-          <a:chOff x="0" y="0"/>
-          <a:chExt cx="0" cy="0"/>
-        </a:xfrm>
-      </p:grpSpPr>
-      <p:sp>
-        <p:nvSpPr>
-          <p:cNvPr id="196" name="Google Shape;196;p13"/>
-          <p:cNvSpPr txBox="1"/>
-          <p:nvPr>
-            <p:ph type="ctrTitle"/>
-          </p:nvPr>
-        </p:nvSpPr>
-        <p:spPr>
-          <a:xfrm>
-            <a:off x="685800" y="2130425"/>
-            <a:ext cx="7772400" cy="1470025"/>
-          </a:xfrm>
-          <a:prstGeom prst="rect">
-            <a:avLst/>
-          </a:prstGeom>
-          <a:noFill/>
-          <a:ln>
-            <a:noFill/>
-          </a:ln>
-        </p:spPr>
-        <p:txBody>
-          <a:bodyPr anchorCtr="0" anchor="ctr" bIns="46025" lIns="92075" spcFirstLastPara="1" rIns="92075" wrap="square" tIns="46025">
-            <a:noAutofit/>
-          </a:bodyPr>
-          <a:lstStyle/>
-          <a:p>
-            <a:pPr indent="0" lvl="0" marL="0" rtl="0" algn="ctr">
-              <a:lnSpc>
-                <a:spcPct val="100000"/>
-              </a:lnSpc>
-              <a:spcBef>
-                <a:spcPts val="0"/>
-              </a:spcBef>
-              <a:spcAft>
-                <a:spcPts val="0"/>
-              </a:spcAft>
-              <a:buClr>
-                <a:schemeClr val="dk2"/>
-              </a:buClr>
-              <a:buSzPts val="3200"/>
-              <a:buFont typeface="Gulimche"/>
-              <a:buNone/>
-            </a:pPr>
-            <a:r>
-              <a:rPr b="1" i="0" lang="en-US" sz="3200" u="none">
-                <a:solidFill>
-                  <a:schemeClr val="dk2"/>
-                </a:solidFill>
-                <a:latin typeface="Gulimche"/>
-                <a:ea typeface="Gulimche"/>
-                <a:cs typeface="Gulimche"/>
-                <a:sym typeface="Gulimche"/>
-              </a:rPr>
-              <a:t>예시</a:t>
-            </a:r>
-            <a:endParaRPr/>
-          </a:p>
-        </p:txBody>
-      </p:sp>
-      <p:sp>
-        <p:nvSpPr>
-          <p:cNvPr id="197" name="Google Shape;197;p13"/>
-          <p:cNvSpPr txBox="1"/>
-          <p:nvPr>
-            <p:ph idx="1" type="subTitle"/>
-          </p:nvPr>
-        </p:nvSpPr>
-        <p:spPr>
-          <a:xfrm>
-            <a:off x="1371600" y="3886200"/>
-            <a:ext cx="6400800" cy="1752600"/>
-          </a:xfrm>
-          <a:prstGeom prst="rect">
-            <a:avLst/>
-          </a:prstGeom>
-          <a:noFill/>
-          <a:ln>
-            <a:noFill/>
-          </a:ln>
-        </p:spPr>
-        <p:txBody>
-          <a:bodyPr anchorCtr="0" anchor="t" bIns="46025" lIns="92075" spcFirstLastPara="1" rIns="92075" wrap="square" tIns="46025">
-            <a:noAutofit/>
-          </a:bodyPr>
-          <a:lstStyle/>
-          <a:p>
-            <a:pPr indent="0" lvl="0" marL="0" rtl="0" algn="ctr">
-              <a:spcBef>
-                <a:spcPts val="0"/>
-              </a:spcBef>
-              <a:spcAft>
-                <a:spcPts val="0"/>
-              </a:spcAft>
-              <a:buClr>
-                <a:schemeClr val="dk1"/>
-              </a:buClr>
-              <a:buSzPts val="2000"/>
-              <a:buFont typeface="Dotumche"/>
-              <a:buNone/>
-            </a:pPr>
-            <a:r>
-              <a:t/>
-            </a:r>
-            <a:endParaRPr/>
           </a:p>
         </p:txBody>
       </p:sp>
@@ -22611,7 +25302,140 @@
       </p:grpSpPr>
       <p:sp>
         <p:nvSpPr>
-          <p:cNvPr id="202" name="Google Shape;202;p14"/>
+          <p:cNvPr id="202" name="Google Shape;202;p13"/>
+          <p:cNvSpPr txBox="1"/>
+          <p:nvPr>
+            <p:ph type="ctrTitle"/>
+          </p:nvPr>
+        </p:nvSpPr>
+        <p:spPr>
+          <a:xfrm>
+            <a:off x="685800" y="2130425"/>
+            <a:ext cx="7772400" cy="1470025"/>
+          </a:xfrm>
+          <a:prstGeom prst="rect">
+            <a:avLst/>
+          </a:prstGeom>
+          <a:noFill/>
+          <a:ln>
+            <a:noFill/>
+          </a:ln>
+        </p:spPr>
+        <p:txBody>
+          <a:bodyPr anchorCtr="0" anchor="ctr" bIns="46025" lIns="92075" spcFirstLastPara="1" rIns="92075" wrap="square" tIns="46025">
+            <a:noAutofit/>
+          </a:bodyPr>
+          <a:lstStyle/>
+          <a:p>
+            <a:pPr indent="0" lvl="0" marL="0" rtl="0" algn="ctr">
+              <a:lnSpc>
+                <a:spcPct val="100000"/>
+              </a:lnSpc>
+              <a:spcBef>
+                <a:spcPts val="0"/>
+              </a:spcBef>
+              <a:spcAft>
+                <a:spcPts val="0"/>
+              </a:spcAft>
+              <a:buClr>
+                <a:schemeClr val="dk2"/>
+              </a:buClr>
+              <a:buSzPts val="3200"/>
+              <a:buFont typeface="Gulimche"/>
+              <a:buNone/>
+            </a:pPr>
+            <a:r>
+              <a:rPr b="1" i="0" lang="en-US" sz="3200" u="none">
+                <a:solidFill>
+                  <a:schemeClr val="dk2"/>
+                </a:solidFill>
+                <a:latin typeface="Gulimche"/>
+                <a:ea typeface="Gulimche"/>
+                <a:cs typeface="Gulimche"/>
+                <a:sym typeface="Gulimche"/>
+              </a:rPr>
+              <a:t>예시</a:t>
+            </a:r>
+            <a:endParaRPr/>
+          </a:p>
+        </p:txBody>
+      </p:sp>
+      <p:sp>
+        <p:nvSpPr>
+          <p:cNvPr id="203" name="Google Shape;203;p13"/>
+          <p:cNvSpPr txBox="1"/>
+          <p:nvPr>
+            <p:ph idx="1" type="subTitle"/>
+          </p:nvPr>
+        </p:nvSpPr>
+        <p:spPr>
+          <a:xfrm>
+            <a:off x="1371600" y="3886200"/>
+            <a:ext cx="6400800" cy="1752600"/>
+          </a:xfrm>
+          <a:prstGeom prst="rect">
+            <a:avLst/>
+          </a:prstGeom>
+          <a:noFill/>
+          <a:ln>
+            <a:noFill/>
+          </a:ln>
+        </p:spPr>
+        <p:txBody>
+          <a:bodyPr anchorCtr="0" anchor="t" bIns="46025" lIns="92075" spcFirstLastPara="1" rIns="92075" wrap="square" tIns="46025">
+            <a:noAutofit/>
+          </a:bodyPr>
+          <a:lstStyle/>
+          <a:p>
+            <a:pPr indent="0" lvl="0" marL="0" rtl="0" algn="ctr">
+              <a:spcBef>
+                <a:spcPts val="0"/>
+              </a:spcBef>
+              <a:spcAft>
+                <a:spcPts val="0"/>
+              </a:spcAft>
+              <a:buClr>
+                <a:schemeClr val="dk1"/>
+              </a:buClr>
+              <a:buSzPts val="2000"/>
+              <a:buFont typeface="Dotumche"/>
+              <a:buNone/>
+            </a:pPr>
+            <a:r>
+              <a:t/>
+            </a:r>
+            <a:endParaRPr/>
+          </a:p>
+        </p:txBody>
+      </p:sp>
+    </p:spTree>
+  </p:cSld>
+  <p:clrMapOvr>
+    <a:masterClrMapping/>
+  </p:clrMapOvr>
+</p:sld>
+</file>
+
+<file path=ppt/slides/slide21.xml><?xml version="1.0" encoding="utf-8"?>
+<p:sld xmlns:a="http://schemas.openxmlformats.org/drawingml/2006/main" xmlns:r="http://schemas.openxmlformats.org/officeDocument/2006/relationships" xmlns:mc="http://schemas.openxmlformats.org/markup-compatibility/2006" xmlns:mv="urn:schemas-microsoft-com:mac:vml" xmlns:p="http://schemas.openxmlformats.org/presentationml/2006/main" xmlns:c="http://schemas.openxmlformats.org/drawingml/2006/chart" xmlns:dgm="http://schemas.openxmlformats.org/drawingml/2006/diagram" xmlns:o="urn:schemas-microsoft-com:office:office" xmlns:v="urn:schemas-microsoft-com:vml" xmlns:pvml="urn:schemas-microsoft-com:office:powerpoint" xmlns:com="http://schemas.openxmlformats.org/drawingml/2006/compatibility" xmlns:p14="http://schemas.microsoft.com/office/powerpoint/2010/main" xmlns:p15="http://schemas.microsoft.com/office/powerpoint/2012/main">
+  <p:cSld>
+    <p:spTree>
+      <p:nvGrpSpPr>
+        <p:cNvPr id="207" name="Shape 207"/>
+        <p:cNvGrpSpPr/>
+        <p:nvPr/>
+      </p:nvGrpSpPr>
+      <p:grpSpPr>
+        <a:xfrm>
+          <a:off x="0" y="0"/>
+          <a:ext cx="0" cy="0"/>
+          <a:chOff x="0" y="0"/>
+          <a:chExt cx="0" cy="0"/>
+        </a:xfrm>
+      </p:grpSpPr>
+      <p:sp>
+        <p:nvSpPr>
+          <p:cNvPr id="208" name="Google Shape;208;p14"/>
           <p:cNvSpPr txBox="1"/>
           <p:nvPr>
             <p:ph idx="1" type="body"/>
@@ -22693,7 +25517,7 @@
       </p:sp>
       <p:sp>
         <p:nvSpPr>
-          <p:cNvPr id="203" name="Google Shape;203;p14"/>
+          <p:cNvPr id="209" name="Google Shape;209;p14"/>
           <p:cNvSpPr txBox="1"/>
           <p:nvPr/>
         </p:nvSpPr>
@@ -22753,7 +25577,7 @@
       </p:sp>
       <p:pic>
         <p:nvPicPr>
-          <p:cNvPr id="204" name="Google Shape;204;p14"/>
+          <p:cNvPr id="210" name="Google Shape;210;p14"/>
           <p:cNvPicPr preferRelativeResize="0"/>
           <p:nvPr/>
         </p:nvPicPr>
@@ -22780,7 +25604,7 @@
       </p:pic>
       <p:sp>
         <p:nvSpPr>
-          <p:cNvPr id="205" name="Google Shape;205;p14"/>
+          <p:cNvPr id="211" name="Google Shape;211;p14"/>
           <p:cNvSpPr txBox="1"/>
           <p:nvPr>
             <p:ph type="title"/>
@@ -22846,12 +25670,12 @@
 </p:sld>
 </file>
 
-<file path=ppt/slides/slide21.xml><?xml version="1.0" encoding="utf-8"?>
+<file path=ppt/slides/slide22.xml><?xml version="1.0" encoding="utf-8"?>
 <p:sld xmlns:a="http://schemas.openxmlformats.org/drawingml/2006/main" xmlns:r="http://schemas.openxmlformats.org/officeDocument/2006/relationships" xmlns:mc="http://schemas.openxmlformats.org/markup-compatibility/2006" xmlns:mv="urn:schemas-microsoft-com:mac:vml" xmlns:p="http://schemas.openxmlformats.org/presentationml/2006/main" xmlns:c="http://schemas.openxmlformats.org/drawingml/2006/chart" xmlns:dgm="http://schemas.openxmlformats.org/drawingml/2006/diagram" xmlns:o="urn:schemas-microsoft-com:office:office" xmlns:v="urn:schemas-microsoft-com:vml" xmlns:pvml="urn:schemas-microsoft-com:office:powerpoint" xmlns:com="http://schemas.openxmlformats.org/drawingml/2006/compatibility" xmlns:p14="http://schemas.microsoft.com/office/powerpoint/2010/main" xmlns:p15="http://schemas.microsoft.com/office/powerpoint/2012/main">
   <p:cSld>
     <p:spTree>
       <p:nvGrpSpPr>
-        <p:cNvPr id="209" name="Shape 209"/>
+        <p:cNvPr id="215" name="Shape 215"/>
         <p:cNvGrpSpPr/>
         <p:nvPr/>
       </p:nvGrpSpPr>
@@ -22865,7 +25689,7 @@
       </p:grpSpPr>
       <p:sp>
         <p:nvSpPr>
-          <p:cNvPr id="210" name="Google Shape;210;p15"/>
+          <p:cNvPr id="216" name="Google Shape;216;p15"/>
           <p:cNvSpPr txBox="1"/>
           <p:nvPr>
             <p:ph type="title"/>
@@ -22925,7 +25749,7 @@
       </p:sp>
       <p:pic>
         <p:nvPicPr>
-          <p:cNvPr id="211" name="Google Shape;211;p15"/>
+          <p:cNvPr id="217" name="Google Shape;217;p15"/>
           <p:cNvPicPr preferRelativeResize="0"/>
           <p:nvPr/>
         </p:nvPicPr>
@@ -22958,12 +25782,12 @@
 </p:sld>
 </file>
 
-<file path=ppt/slides/slide22.xml><?xml version="1.0" encoding="utf-8"?>
+<file path=ppt/slides/slide23.xml><?xml version="1.0" encoding="utf-8"?>
 <p:sld xmlns:a="http://schemas.openxmlformats.org/drawingml/2006/main" xmlns:r="http://schemas.openxmlformats.org/officeDocument/2006/relationships" xmlns:mc="http://schemas.openxmlformats.org/markup-compatibility/2006" xmlns:mv="urn:schemas-microsoft-com:mac:vml" xmlns:p="http://schemas.openxmlformats.org/presentationml/2006/main" xmlns:c="http://schemas.openxmlformats.org/drawingml/2006/chart" xmlns:dgm="http://schemas.openxmlformats.org/drawingml/2006/diagram" xmlns:o="urn:schemas-microsoft-com:office:office" xmlns:v="urn:schemas-microsoft-com:vml" xmlns:pvml="urn:schemas-microsoft-com:office:powerpoint" xmlns:com="http://schemas.openxmlformats.org/drawingml/2006/compatibility" xmlns:p14="http://schemas.microsoft.com/office/powerpoint/2010/main" xmlns:p15="http://schemas.microsoft.com/office/powerpoint/2012/main">
   <p:cSld>
     <p:spTree>
       <p:nvGrpSpPr>
-        <p:cNvPr id="215" name="Shape 215"/>
+        <p:cNvPr id="221" name="Shape 221"/>
         <p:cNvGrpSpPr/>
         <p:nvPr/>
       </p:nvGrpSpPr>
@@ -22977,7 +25801,7 @@
       </p:grpSpPr>
       <p:sp>
         <p:nvSpPr>
-          <p:cNvPr id="216" name="Google Shape;216;p16"/>
+          <p:cNvPr id="222" name="Google Shape;222;p16"/>
           <p:cNvSpPr txBox="1"/>
           <p:nvPr>
             <p:ph type="title"/>
@@ -23037,7 +25861,7 @@
       </p:sp>
       <p:sp>
         <p:nvSpPr>
-          <p:cNvPr id="217" name="Google Shape;217;p16"/>
+          <p:cNvPr id="223" name="Google Shape;223;p16"/>
           <p:cNvSpPr txBox="1"/>
           <p:nvPr>
             <p:ph idx="1" type="body"/>
@@ -23088,7 +25912,7 @@
       </p:sp>
       <p:pic>
         <p:nvPicPr>
-          <p:cNvPr id="218" name="Google Shape;218;p16"/>
+          <p:cNvPr id="224" name="Google Shape;224;p16"/>
           <p:cNvPicPr preferRelativeResize="0"/>
           <p:nvPr/>
         </p:nvPicPr>
@@ -23115,7 +25939,7 @@
       </p:pic>
       <p:pic>
         <p:nvPicPr>
-          <p:cNvPr id="219" name="Google Shape;219;p16"/>
+          <p:cNvPr id="225" name="Google Shape;225;p16"/>
           <p:cNvPicPr preferRelativeResize="0"/>
           <p:nvPr/>
         </p:nvPicPr>
@@ -23142,7 +25966,7 @@
       </p:pic>
       <p:grpSp>
         <p:nvGrpSpPr>
-          <p:cNvPr id="220" name="Google Shape;220;p16"/>
+          <p:cNvPr id="226" name="Google Shape;226;p16"/>
           <p:cNvGrpSpPr/>
           <p:nvPr/>
         </p:nvGrpSpPr>
@@ -23156,7 +25980,7 @@
         </p:grpSpPr>
         <p:pic>
           <p:nvPicPr>
-            <p:cNvPr id="221" name="Google Shape;221;p16"/>
+            <p:cNvPr id="227" name="Google Shape;227;p16"/>
             <p:cNvPicPr preferRelativeResize="0"/>
             <p:nvPr/>
           </p:nvPicPr>
@@ -23183,7 +26007,7 @@
         </p:pic>
         <p:pic>
           <p:nvPicPr>
-            <p:cNvPr id="222" name="Google Shape;222;p16"/>
+            <p:cNvPr id="228" name="Google Shape;228;p16"/>
             <p:cNvPicPr preferRelativeResize="0"/>
             <p:nvPr/>
           </p:nvPicPr>
@@ -23211,7 +26035,7 @@
       </p:grpSp>
       <p:sp>
         <p:nvSpPr>
-          <p:cNvPr id="223" name="Google Shape;223;p16"/>
+          <p:cNvPr id="229" name="Google Shape;229;p16"/>
           <p:cNvSpPr/>
           <p:nvPr/>
         </p:nvSpPr>
@@ -23268,7 +26092,7 @@
       </p:sp>
       <p:sp>
         <p:nvSpPr>
-          <p:cNvPr id="224" name="Google Shape;224;p16"/>
+          <p:cNvPr id="230" name="Google Shape;230;p16"/>
           <p:cNvSpPr/>
           <p:nvPr/>
         </p:nvSpPr>
@@ -23334,12 +26158,12 @@
 </p:sld>
 </file>
 
-<file path=ppt/slides/slide23.xml><?xml version="1.0" encoding="utf-8"?>
+<file path=ppt/slides/slide24.xml><?xml version="1.0" encoding="utf-8"?>
 <p:sld xmlns:a="http://schemas.openxmlformats.org/drawingml/2006/main" xmlns:r="http://schemas.openxmlformats.org/officeDocument/2006/relationships" xmlns:mc="http://schemas.openxmlformats.org/markup-compatibility/2006" xmlns:mv="urn:schemas-microsoft-com:mac:vml" xmlns:p="http://schemas.openxmlformats.org/presentationml/2006/main" xmlns:c="http://schemas.openxmlformats.org/drawingml/2006/chart" xmlns:dgm="http://schemas.openxmlformats.org/drawingml/2006/diagram" xmlns:o="urn:schemas-microsoft-com:office:office" xmlns:v="urn:schemas-microsoft-com:vml" xmlns:pvml="urn:schemas-microsoft-com:office:powerpoint" xmlns:com="http://schemas.openxmlformats.org/drawingml/2006/compatibility" xmlns:p14="http://schemas.microsoft.com/office/powerpoint/2010/main" xmlns:p15="http://schemas.microsoft.com/office/powerpoint/2012/main">
   <p:cSld>
     <p:spTree>
       <p:nvGrpSpPr>
-        <p:cNvPr id="228" name="Shape 228"/>
+        <p:cNvPr id="234" name="Shape 234"/>
         <p:cNvGrpSpPr/>
         <p:nvPr/>
       </p:nvGrpSpPr>
@@ -23353,7 +26177,7 @@
       </p:grpSpPr>
       <p:sp>
         <p:nvSpPr>
-          <p:cNvPr id="229" name="Google Shape;229;p17"/>
+          <p:cNvPr id="235" name="Google Shape;235;p17"/>
           <p:cNvSpPr txBox="1"/>
           <p:nvPr>
             <p:ph type="title"/>
@@ -23413,7 +26237,7 @@
       </p:sp>
       <p:pic>
         <p:nvPicPr>
-          <p:cNvPr id="230" name="Google Shape;230;p17"/>
+          <p:cNvPr id="236" name="Google Shape;236;p17"/>
           <p:cNvPicPr preferRelativeResize="0"/>
           <p:nvPr/>
         </p:nvPicPr>
@@ -23428,118 +26252,6 @@
           <a:xfrm>
             <a:off x="468312" y="1773237"/>
             <a:ext cx="8301037" cy="3165475"/>
-          </a:xfrm>
-          <a:prstGeom prst="rect">
-            <a:avLst/>
-          </a:prstGeom>
-          <a:noFill/>
-          <a:ln>
-            <a:noFill/>
-          </a:ln>
-        </p:spPr>
-      </p:pic>
-    </p:spTree>
-  </p:cSld>
-  <p:clrMapOvr>
-    <a:masterClrMapping/>
-  </p:clrMapOvr>
-</p:sld>
-</file>
-
-<file path=ppt/slides/slide24.xml><?xml version="1.0" encoding="utf-8"?>
-<p:sld xmlns:a="http://schemas.openxmlformats.org/drawingml/2006/main" xmlns:r="http://schemas.openxmlformats.org/officeDocument/2006/relationships" xmlns:mc="http://schemas.openxmlformats.org/markup-compatibility/2006" xmlns:mv="urn:schemas-microsoft-com:mac:vml" xmlns:p="http://schemas.openxmlformats.org/presentationml/2006/main" xmlns:c="http://schemas.openxmlformats.org/drawingml/2006/chart" xmlns:dgm="http://schemas.openxmlformats.org/drawingml/2006/diagram" xmlns:o="urn:schemas-microsoft-com:office:office" xmlns:v="urn:schemas-microsoft-com:vml" xmlns:pvml="urn:schemas-microsoft-com:office:powerpoint" xmlns:com="http://schemas.openxmlformats.org/drawingml/2006/compatibility" xmlns:p14="http://schemas.microsoft.com/office/powerpoint/2010/main" xmlns:p15="http://schemas.microsoft.com/office/powerpoint/2012/main">
-  <p:cSld>
-    <p:spTree>
-      <p:nvGrpSpPr>
-        <p:cNvPr id="234" name="Shape 234"/>
-        <p:cNvGrpSpPr/>
-        <p:nvPr/>
-      </p:nvGrpSpPr>
-      <p:grpSpPr>
-        <a:xfrm>
-          <a:off x="0" y="0"/>
-          <a:ext cx="0" cy="0"/>
-          <a:chOff x="0" y="0"/>
-          <a:chExt cx="0" cy="0"/>
-        </a:xfrm>
-      </p:grpSpPr>
-      <p:sp>
-        <p:nvSpPr>
-          <p:cNvPr id="235" name="Google Shape;235;p18"/>
-          <p:cNvSpPr txBox="1"/>
-          <p:nvPr>
-            <p:ph type="title"/>
-          </p:nvPr>
-        </p:nvSpPr>
-        <p:spPr>
-          <a:xfrm>
-            <a:off x="685800" y="152400"/>
-            <a:ext cx="7772400" cy="685800"/>
-          </a:xfrm>
-          <a:prstGeom prst="rect">
-            <a:avLst/>
-          </a:prstGeom>
-          <a:noFill/>
-          <a:ln>
-            <a:noFill/>
-          </a:ln>
-        </p:spPr>
-        <p:txBody>
-          <a:bodyPr anchorCtr="0" anchor="ctr" bIns="46025" lIns="92075" spcFirstLastPara="1" rIns="92075" wrap="square" tIns="46025">
-            <a:noAutofit/>
-          </a:bodyPr>
-          <a:lstStyle/>
-          <a:p>
-            <a:pPr indent="0" lvl="0" marL="0" rtl="0" algn="ctr">
-              <a:lnSpc>
-                <a:spcPct val="100000"/>
-              </a:lnSpc>
-              <a:spcBef>
-                <a:spcPts val="0"/>
-              </a:spcBef>
-              <a:spcAft>
-                <a:spcPts val="0"/>
-              </a:spcAft>
-              <a:buClr>
-                <a:schemeClr val="dk2"/>
-              </a:buClr>
-              <a:buSzPts val="3200"/>
-              <a:buFont typeface="Gulimche"/>
-              <a:buNone/>
-            </a:pPr>
-            <a:r>
-              <a:rPr b="1" i="0" lang="en-US" sz="3200" u="none">
-                <a:solidFill>
-                  <a:schemeClr val="dk2"/>
-                </a:solidFill>
-                <a:latin typeface="Gulimche"/>
-                <a:ea typeface="Gulimche"/>
-                <a:cs typeface="Gulimche"/>
-                <a:sym typeface="Gulimche"/>
-              </a:rPr>
-              <a:t>플로우 챠트</a:t>
-            </a:r>
-            <a:endParaRPr/>
-          </a:p>
-        </p:txBody>
-      </p:sp>
-      <p:pic>
-        <p:nvPicPr>
-          <p:cNvPr descr="https://mblogthumb-phinf.pstatic.net/20140803_297/onlybest01_1406996396155RYam2_PNG/3.png?type=w2" id="236" name="Google Shape;236;p18"/>
-          <p:cNvPicPr preferRelativeResize="0"/>
-          <p:nvPr/>
-        </p:nvPicPr>
-        <p:blipFill rotWithShape="1">
-          <a:blip r:embed="rId3">
-            <a:alphaModFix/>
-          </a:blip>
-          <a:srcRect b="0" l="0" r="0" t="0"/>
-          <a:stretch/>
-        </p:blipFill>
-        <p:spPr>
-          <a:xfrm>
-            <a:off x="1795462" y="1470025"/>
-            <a:ext cx="5267324" cy="4713287"/>
           </a:xfrm>
           <a:prstGeom prst="rect">
             <a:avLst/>
@@ -23577,7 +26289,7 @@
       </p:grpSpPr>
       <p:sp>
         <p:nvSpPr>
-          <p:cNvPr id="241" name="Google Shape;241;p19"/>
+          <p:cNvPr id="241" name="Google Shape;241;p18"/>
           <p:cNvSpPr txBox="1"/>
           <p:nvPr>
             <p:ph type="title"/>
@@ -23629,6 +26341,118 @@
                 <a:cs typeface="Gulimche"/>
                 <a:sym typeface="Gulimche"/>
               </a:rPr>
+              <a:t>플로우 챠트</a:t>
+            </a:r>
+            <a:endParaRPr/>
+          </a:p>
+        </p:txBody>
+      </p:sp>
+      <p:pic>
+        <p:nvPicPr>
+          <p:cNvPr descr="https://mblogthumb-phinf.pstatic.net/20140803_297/onlybest01_1406996396155RYam2_PNG/3.png?type=w2" id="242" name="Google Shape;242;p18"/>
+          <p:cNvPicPr preferRelativeResize="0"/>
+          <p:nvPr/>
+        </p:nvPicPr>
+        <p:blipFill rotWithShape="1">
+          <a:blip r:embed="rId3">
+            <a:alphaModFix/>
+          </a:blip>
+          <a:srcRect b="0" l="0" r="0" t="0"/>
+          <a:stretch/>
+        </p:blipFill>
+        <p:spPr>
+          <a:xfrm>
+            <a:off x="1795462" y="1470025"/>
+            <a:ext cx="5267324" cy="4713287"/>
+          </a:xfrm>
+          <a:prstGeom prst="rect">
+            <a:avLst/>
+          </a:prstGeom>
+          <a:noFill/>
+          <a:ln>
+            <a:noFill/>
+          </a:ln>
+        </p:spPr>
+      </p:pic>
+    </p:spTree>
+  </p:cSld>
+  <p:clrMapOvr>
+    <a:masterClrMapping/>
+  </p:clrMapOvr>
+</p:sld>
+</file>
+
+<file path=ppt/slides/slide26.xml><?xml version="1.0" encoding="utf-8"?>
+<p:sld xmlns:a="http://schemas.openxmlformats.org/drawingml/2006/main" xmlns:r="http://schemas.openxmlformats.org/officeDocument/2006/relationships" xmlns:mc="http://schemas.openxmlformats.org/markup-compatibility/2006" xmlns:mv="urn:schemas-microsoft-com:mac:vml" xmlns:p="http://schemas.openxmlformats.org/presentationml/2006/main" xmlns:c="http://schemas.openxmlformats.org/drawingml/2006/chart" xmlns:dgm="http://schemas.openxmlformats.org/drawingml/2006/diagram" xmlns:o="urn:schemas-microsoft-com:office:office" xmlns:v="urn:schemas-microsoft-com:vml" xmlns:pvml="urn:schemas-microsoft-com:office:powerpoint" xmlns:com="http://schemas.openxmlformats.org/drawingml/2006/compatibility" xmlns:p14="http://schemas.microsoft.com/office/powerpoint/2010/main" xmlns:p15="http://schemas.microsoft.com/office/powerpoint/2012/main">
+  <p:cSld>
+    <p:spTree>
+      <p:nvGrpSpPr>
+        <p:cNvPr id="246" name="Shape 246"/>
+        <p:cNvGrpSpPr/>
+        <p:nvPr/>
+      </p:nvGrpSpPr>
+      <p:grpSpPr>
+        <a:xfrm>
+          <a:off x="0" y="0"/>
+          <a:ext cx="0" cy="0"/>
+          <a:chOff x="0" y="0"/>
+          <a:chExt cx="0" cy="0"/>
+        </a:xfrm>
+      </p:grpSpPr>
+      <p:sp>
+        <p:nvSpPr>
+          <p:cNvPr id="247" name="Google Shape;247;p19"/>
+          <p:cNvSpPr txBox="1"/>
+          <p:nvPr>
+            <p:ph type="title"/>
+          </p:nvPr>
+        </p:nvSpPr>
+        <p:spPr>
+          <a:xfrm>
+            <a:off x="685800" y="152400"/>
+            <a:ext cx="7772400" cy="685800"/>
+          </a:xfrm>
+          <a:prstGeom prst="rect">
+            <a:avLst/>
+          </a:prstGeom>
+          <a:noFill/>
+          <a:ln>
+            <a:noFill/>
+          </a:ln>
+        </p:spPr>
+        <p:txBody>
+          <a:bodyPr anchorCtr="0" anchor="ctr" bIns="46025" lIns="92075" spcFirstLastPara="1" rIns="92075" wrap="square" tIns="46025">
+            <a:noAutofit/>
+          </a:bodyPr>
+          <a:lstStyle/>
+          <a:p>
+            <a:pPr indent="0" lvl="0" marL="0" rtl="0" algn="ctr">
+              <a:lnSpc>
+                <a:spcPct val="100000"/>
+              </a:lnSpc>
+              <a:spcBef>
+                <a:spcPts val="0"/>
+              </a:spcBef>
+              <a:spcAft>
+                <a:spcPts val="0"/>
+              </a:spcAft>
+              <a:buClr>
+                <a:schemeClr val="dk2"/>
+              </a:buClr>
+              <a:buSzPts val="3200"/>
+              <a:buFont typeface="Gulimche"/>
+              <a:buNone/>
+            </a:pPr>
+            <a:r>
+              <a:rPr b="1" i="0" lang="en-US" sz="3200" u="none">
+                <a:solidFill>
+                  <a:schemeClr val="dk2"/>
+                </a:solidFill>
+                <a:latin typeface="Gulimche"/>
+                <a:ea typeface="Gulimche"/>
+                <a:cs typeface="Gulimche"/>
+                <a:sym typeface="Gulimche"/>
+              </a:rPr>
               <a:t>인터페이스 설계</a:t>
             </a:r>
             <a:endParaRPr/>
@@ -23637,7 +26461,7 @@
       </p:sp>
       <p:pic>
         <p:nvPicPr>
-          <p:cNvPr id="242" name="Google Shape;242;p19"/>
+          <p:cNvPr id="248" name="Google Shape;248;p19"/>
           <p:cNvPicPr preferRelativeResize="0"/>
           <p:nvPr/>
         </p:nvPicPr>
@@ -24214,7 +27038,7 @@
             <a:tbl>
               <a:tblPr>
                 <a:noFill/>
-                <a:tableStyleId>{1A1E1730-934C-4006-9810-6488B2D48F98}</a:tableStyleId>
+                <a:tableStyleId>{49F9C239-C741-4F9E-BABB-F980A697429C}</a:tableStyleId>
               </a:tblPr>
               <a:tblGrid>
                 <a:gridCol w="447925"/>
@@ -26277,7 +29101,7 @@
             <a:tbl>
               <a:tblPr>
                 <a:noFill/>
-                <a:tableStyleId>{1A1E1730-934C-4006-9810-6488B2D48F98}</a:tableStyleId>
+                <a:tableStyleId>{49F9C239-C741-4F9E-BABB-F980A697429C}</a:tableStyleId>
               </a:tblPr>
               <a:tblGrid>
                 <a:gridCol w="447925"/>
@@ -27874,7 +30698,7 @@
             <a:tbl>
               <a:tblPr>
                 <a:noFill/>
-                <a:tableStyleId>{1A1E1730-934C-4006-9810-6488B2D48F98}</a:tableStyleId>
+                <a:tableStyleId>{49F9C239-C741-4F9E-BABB-F980A697429C}</a:tableStyleId>
               </a:tblPr>
               <a:tblGrid>
                 <a:gridCol w="396375"/>
@@ -30758,7 +33582,7 @@
             <a:tbl>
               <a:tblPr>
                 <a:noFill/>
-                <a:tableStyleId>{1A1E1730-934C-4006-9810-6488B2D48F98}</a:tableStyleId>
+                <a:tableStyleId>{49F9C239-C741-4F9E-BABB-F980A697429C}</a:tableStyleId>
               </a:tblPr>
               <a:tblGrid>
                 <a:gridCol w="394100"/>
@@ -33595,7 +36419,7 @@
             <a:tbl>
               <a:tblPr>
                 <a:noFill/>
-                <a:tableStyleId>{1A1E1730-934C-4006-9810-6488B2D48F98}</a:tableStyleId>
+                <a:tableStyleId>{49F9C239-C741-4F9E-BABB-F980A697429C}</a:tableStyleId>
               </a:tblPr>
               <a:tblGrid>
                 <a:gridCol w="394100"/>
@@ -36408,7 +39232,7 @@
             <a:tbl>
               <a:tblPr>
                 <a:noFill/>
-                <a:tableStyleId>{1A1E1730-934C-4006-9810-6488B2D48F98}</a:tableStyleId>
+                <a:tableStyleId>{49F9C239-C741-4F9E-BABB-F980A697429C}</a:tableStyleId>
               </a:tblPr>
               <a:tblGrid>
                 <a:gridCol w="394100"/>
@@ -38779,7 +41603,8 @@
                         <a:buNone/>
                       </a:pPr>
                       <a:r>
-                        <a:t/>
+                        <a:rPr lang="en-US"/>
+                        <a:t>지갑등록</a:t>
                       </a:r>
                       <a:endParaRPr/>
                     </a:p>
@@ -38846,7 +41671,8 @@
                         <a:buNone/>
                       </a:pPr>
                       <a:r>
-                        <a:t/>
+                        <a:rPr lang="en-US"/>
+                        <a:t>SFR034</a:t>
                       </a:r>
                       <a:endParaRPr/>
                     </a:p>
@@ -38908,7 +41734,8 @@
                         <a:buNone/>
                       </a:pPr>
                       <a:r>
-                        <a:t/>
+                        <a:rPr lang="en-US"/>
+                        <a:t>주소등록</a:t>
                       </a:r>
                       <a:endParaRPr/>
                     </a:p>
@@ -38970,7 +41797,8 @@
                         <a:buNone/>
                       </a:pPr>
                       <a:r>
-                        <a:t/>
+                        <a:rPr lang="en-US"/>
+                        <a:t>사용자가 이더리움 지갑의 주소를 등록한다.</a:t>
                       </a:r>
                       <a:endParaRPr/>
                     </a:p>
@@ -39032,7 +41860,8 @@
                         <a:buNone/>
                       </a:pPr>
                       <a:r>
-                        <a:t/>
+                        <a:rPr lang="en-US"/>
+                        <a:t>사용자가 자신의 정보에 이더리움 지갑의 주소를 등록한다.</a:t>
                       </a:r>
                       <a:endParaRPr/>
                     </a:p>
@@ -39093,6 +41922,285 @@
 </file>
 
 <file path=ppt/theme/theme1.xml><?xml version="1.0" encoding="utf-8"?>
+<a:theme xmlns:a="http://schemas.openxmlformats.org/drawingml/2006/main" xmlns:r="http://schemas.openxmlformats.org/officeDocument/2006/relationships">
+  <a:themeElements>
+    <a:clrScheme name="Default">
+      <a:dk1>
+        <a:srgbClr val="000000"/>
+      </a:dk1>
+      <a:lt1>
+        <a:srgbClr val="FFFFFF"/>
+      </a:lt1>
+      <a:dk2>
+        <a:srgbClr val="158158"/>
+      </a:dk2>
+      <a:lt2>
+        <a:srgbClr val="F3F3F3"/>
+      </a:lt2>
+      <a:accent1>
+        <a:srgbClr val="058DC7"/>
+      </a:accent1>
+      <a:accent2>
+        <a:srgbClr val="50B432"/>
+      </a:accent2>
+      <a:accent3>
+        <a:srgbClr val="ED561B"/>
+      </a:accent3>
+      <a:accent4>
+        <a:srgbClr val="EDEF00"/>
+      </a:accent4>
+      <a:accent5>
+        <a:srgbClr val="24CBE5"/>
+      </a:accent5>
+      <a:accent6>
+        <a:srgbClr val="64E572"/>
+      </a:accent6>
+      <a:hlink>
+        <a:srgbClr val="2200CC"/>
+      </a:hlink>
+      <a:folHlink>
+        <a:srgbClr val="551A8B"/>
+      </a:folHlink>
+    </a:clrScheme>
+    <a:fontScheme name="Office">
+      <a:majorFont>
+        <a:latin typeface="Arial"/>
+        <a:ea typeface=""/>
+        <a:cs typeface=""/>
+        <a:font script="Jpan" typeface="ＭＳ Ｐゴシック"/>
+        <a:font script="Hang" typeface="맑은 고딕"/>
+        <a:font script="Hans" typeface="宋体"/>
+        <a:font script="Hant" typeface="新細明體"/>
+        <a:font script="Arab" typeface="Times New Roman"/>
+        <a:font script="Hebr" typeface="Times New Roman"/>
+        <a:font script="Thai" typeface="Angsana New"/>
+        <a:font script="Ethi" typeface="Nyala"/>
+        <a:font script="Beng" typeface="Vrinda"/>
+        <a:font script="Gujr" typeface="Shruti"/>
+        <a:font script="Khmr" typeface="MoolBoran"/>
+        <a:font script="Knda" typeface="Tunga"/>
+        <a:font script="Guru" typeface="Raavi"/>
+        <a:font script="Cans" typeface="Euphemia"/>
+        <a:font script="Cher" typeface="Plantagenet Cherokee"/>
+        <a:font script="Yiii" typeface="Microsoft Yi Baiti"/>
+        <a:font script="Tibt" typeface="Microsoft Himalaya"/>
+        <a:font script="Thaa" typeface="MV Boli"/>
+        <a:font script="Deva" typeface="Mangal"/>
+        <a:font script="Telu" typeface="Gautami"/>
+        <a:font script="Taml" typeface="Latha"/>
+        <a:font script="Syrc" typeface="Estrangelo Edessa"/>
+        <a:font script="Orya" typeface="Kalinga"/>
+        <a:font script="Mlym" typeface="Kartika"/>
+        <a:font script="Laoo" typeface="DokChampa"/>
+        <a:font script="Sinh" typeface="Iskoola Pota"/>
+        <a:font script="Mong" typeface="Mongolian Baiti"/>
+        <a:font script="Viet" typeface="Times New Roman"/>
+        <a:font script="Uigh" typeface="Microsoft Uighur"/>
+        <a:font script="Geor" typeface="Sylfaen"/>
+      </a:majorFont>
+      <a:minorFont>
+        <a:latin typeface="Arial"/>
+        <a:ea typeface=""/>
+        <a:cs typeface=""/>
+        <a:font script="Jpan" typeface="ＭＳ Ｐゴシック"/>
+        <a:font script="Hang" typeface="맑은 고딕"/>
+        <a:font script="Hans" typeface="宋体"/>
+        <a:font script="Hant" typeface="新細明體"/>
+        <a:font script="Arab" typeface="Arial"/>
+        <a:font script="Hebr" typeface="Arial"/>
+        <a:font script="Thai" typeface="Cordia New"/>
+        <a:font script="Ethi" typeface="Nyala"/>
+        <a:font script="Beng" typeface="Vrinda"/>
+        <a:font script="Gujr" typeface="Shruti"/>
+        <a:font script="Khmr" typeface="DaunPenh"/>
+        <a:font script="Knda" typeface="Tunga"/>
+        <a:font script="Guru" typeface="Raavi"/>
+        <a:font script="Cans" typeface="Euphemia"/>
+        <a:font script="Cher" typeface="Plantagenet Cherokee"/>
+        <a:font script="Yiii" typeface="Microsoft Yi Baiti"/>
+        <a:font script="Tibt" typeface="Microsoft Himalaya"/>
+        <a:font script="Thaa" typeface="MV Boli"/>
+        <a:font script="Deva" typeface="Mangal"/>
+        <a:font script="Telu" typeface="Gautami"/>
+        <a:font script="Taml" typeface="Latha"/>
+        <a:font script="Syrc" typeface="Estrangelo Edessa"/>
+        <a:font script="Orya" typeface="Kalinga"/>
+        <a:font script="Mlym" typeface="Kartika"/>
+        <a:font script="Laoo" typeface="DokChampa"/>
+        <a:font script="Sinh" typeface="Iskoola Pota"/>
+        <a:font script="Mong" typeface="Mongolian Baiti"/>
+        <a:font script="Viet" typeface="Arial"/>
+        <a:font script="Uigh" typeface="Microsoft Uighur"/>
+        <a:font script="Geor" typeface="Sylfaen"/>
+      </a:minorFont>
+    </a:fontScheme>
+    <a:fmtScheme name="Office">
+      <a:fillStyleLst>
+        <a:solidFill>
+          <a:schemeClr val="phClr"/>
+        </a:solidFill>
+        <a:gradFill rotWithShape="1">
+          <a:gsLst>
+            <a:gs pos="0">
+              <a:schemeClr val="phClr">
+                <a:tint val="50000"/>
+                <a:satMod val="300000"/>
+              </a:schemeClr>
+            </a:gs>
+            <a:gs pos="35000">
+              <a:schemeClr val="phClr">
+                <a:tint val="37000"/>
+                <a:satMod val="300000"/>
+              </a:schemeClr>
+            </a:gs>
+            <a:gs pos="100000">
+              <a:schemeClr val="phClr">
+                <a:tint val="15000"/>
+                <a:satMod val="350000"/>
+              </a:schemeClr>
+            </a:gs>
+          </a:gsLst>
+          <a:lin ang="16200000" scaled="1"/>
+        </a:gradFill>
+        <a:gradFill rotWithShape="1">
+          <a:gsLst>
+            <a:gs pos="0">
+              <a:schemeClr val="phClr">
+                <a:tint val="100000"/>
+                <a:shade val="100000"/>
+                <a:satMod val="130000"/>
+              </a:schemeClr>
+            </a:gs>
+            <a:gs pos="100000">
+              <a:schemeClr val="phClr">
+                <a:tint val="50000"/>
+                <a:shade val="100000"/>
+                <a:satMod val="350000"/>
+              </a:schemeClr>
+            </a:gs>
+          </a:gsLst>
+          <a:lin ang="16200000" scaled="0"/>
+        </a:gradFill>
+      </a:fillStyleLst>
+      <a:lnStyleLst>
+        <a:ln w="9525" cap="flat" cmpd="sng" algn="ctr">
+          <a:solidFill>
+            <a:schemeClr val="phClr">
+              <a:shade val="95000"/>
+              <a:satMod val="105000"/>
+            </a:schemeClr>
+          </a:solidFill>
+          <a:prstDash val="solid"/>
+        </a:ln>
+        <a:ln w="25400" cap="flat" cmpd="sng" algn="ctr">
+          <a:solidFill>
+            <a:schemeClr val="phClr"/>
+          </a:solidFill>
+          <a:prstDash val="solid"/>
+        </a:ln>
+        <a:ln w="38100" cap="flat" cmpd="sng" algn="ctr">
+          <a:solidFill>
+            <a:schemeClr val="phClr"/>
+          </a:solidFill>
+          <a:prstDash val="solid"/>
+        </a:ln>
+      </a:lnStyleLst>
+      <a:effectStyleLst>
+        <a:effectStyle>
+          <a:effectLst>
+            <a:outerShdw blurRad="40000" dist="20000" dir="5400000" rotWithShape="0">
+              <a:srgbClr val="000000">
+                <a:alpha val="38000"/>
+              </a:srgbClr>
+            </a:outerShdw>
+          </a:effectLst>
+        </a:effectStyle>
+        <a:effectStyle>
+          <a:effectLst>
+            <a:outerShdw blurRad="40000" dist="23000" dir="5400000" rotWithShape="0">
+              <a:srgbClr val="000000">
+                <a:alpha val="35000"/>
+              </a:srgbClr>
+            </a:outerShdw>
+          </a:effectLst>
+        </a:effectStyle>
+        <a:effectStyle>
+          <a:effectLst>
+            <a:outerShdw blurRad="40000" dist="23000" dir="5400000" rotWithShape="0">
+              <a:srgbClr val="000000">
+                <a:alpha val="35000"/>
+              </a:srgbClr>
+            </a:outerShdw>
+          </a:effectLst>
+          <a:scene3d>
+            <a:camera prst="orthographicFront">
+              <a:rot lat="0" lon="0" rev="0"/>
+            </a:camera>
+            <a:lightRig rig="threePt" dir="t">
+              <a:rot lat="0" lon="0" rev="1200000"/>
+            </a:lightRig>
+          </a:scene3d>
+          <a:sp3d>
+            <a:bevelT w="63500" h="25400"/>
+          </a:sp3d>
+        </a:effectStyle>
+      </a:effectStyleLst>
+      <a:bgFillStyleLst>
+        <a:solidFill>
+          <a:schemeClr val="phClr"/>
+        </a:solidFill>
+        <a:gradFill rotWithShape="1">
+          <a:gsLst>
+            <a:gs pos="0">
+              <a:schemeClr val="phClr">
+                <a:tint val="40000"/>
+                <a:satMod val="350000"/>
+              </a:schemeClr>
+            </a:gs>
+            <a:gs pos="40000">
+              <a:schemeClr val="phClr">
+                <a:tint val="45000"/>
+                <a:shade val="99000"/>
+                <a:satMod val="350000"/>
+              </a:schemeClr>
+            </a:gs>
+            <a:gs pos="100000">
+              <a:schemeClr val="phClr">
+                <a:shade val="20000"/>
+                <a:satMod val="255000"/>
+              </a:schemeClr>
+            </a:gs>
+          </a:gsLst>
+          <a:path path="circle">
+            <a:fillToRect l="50000" t="-80000" r="50000" b="180000"/>
+          </a:path>
+        </a:gradFill>
+        <a:gradFill rotWithShape="1">
+          <a:gsLst>
+            <a:gs pos="0">
+              <a:schemeClr val="phClr">
+                <a:tint val="80000"/>
+                <a:satMod val="300000"/>
+              </a:schemeClr>
+            </a:gs>
+            <a:gs pos="100000">
+              <a:schemeClr val="phClr">
+                <a:shade val="30000"/>
+                <a:satMod val="200000"/>
+              </a:schemeClr>
+            </a:gs>
+          </a:gsLst>
+          <a:path path="circle">
+            <a:fillToRect l="50000" t="50000" r="50000" b="50000"/>
+          </a:path>
+        </a:gradFill>
+      </a:bgFillStyleLst>
+    </a:fmtScheme>
+  </a:themeElements>
+</a:theme>
+</file>
+
+<file path=ppt/theme/theme2.xml><?xml version="1.0" encoding="utf-8"?>
 <a:theme xmlns:a="http://schemas.openxmlformats.org/drawingml/2006/main" xmlns:r="http://schemas.openxmlformats.org/officeDocument/2006/relationships" name="dbllineb">
   <a:themeElements>
     <a:clrScheme name="">
@@ -39369,283 +42477,4 @@
     </a:fmtScheme>
   </a:themeElements>
 </a:theme>
-</file>
-
-<file path=ppt/theme/theme2.xml><?xml version="1.0" encoding="utf-8"?>
-<a:theme xmlns:a="http://schemas.openxmlformats.org/drawingml/2006/main" xmlns:r="http://schemas.openxmlformats.org/officeDocument/2006/relationships">
-  <a:themeElements>
-    <a:clrScheme name="Default">
-      <a:dk1>
-        <a:srgbClr val="000000"/>
-      </a:dk1>
-      <a:lt1>
-        <a:srgbClr val="FFFFFF"/>
-      </a:lt1>
-      <a:dk2>
-        <a:srgbClr val="158158"/>
-      </a:dk2>
-      <a:lt2>
-        <a:srgbClr val="F3F3F3"/>
-      </a:lt2>
-      <a:accent1>
-        <a:srgbClr val="058DC7"/>
-      </a:accent1>
-      <a:accent2>
-        <a:srgbClr val="50B432"/>
-      </a:accent2>
-      <a:accent3>
-        <a:srgbClr val="ED561B"/>
-      </a:accent3>
-      <a:accent4>
-        <a:srgbClr val="EDEF00"/>
-      </a:accent4>
-      <a:accent5>
-        <a:srgbClr val="24CBE5"/>
-      </a:accent5>
-      <a:accent6>
-        <a:srgbClr val="64E572"/>
-      </a:accent6>
-      <a:hlink>
-        <a:srgbClr val="2200CC"/>
-      </a:hlink>
-      <a:folHlink>
-        <a:srgbClr val="551A8B"/>
-      </a:folHlink>
-    </a:clrScheme>
-    <a:fontScheme name="Office">
-      <a:majorFont>
-        <a:latin typeface="Arial"/>
-        <a:ea typeface=""/>
-        <a:cs typeface=""/>
-        <a:font script="Jpan" typeface="ＭＳ Ｐゴシック"/>
-        <a:font script="Hang" typeface="맑은 고딕"/>
-        <a:font script="Hans" typeface="宋体"/>
-        <a:font script="Hant" typeface="新細明體"/>
-        <a:font script="Arab" typeface="Times New Roman"/>
-        <a:font script="Hebr" typeface="Times New Roman"/>
-        <a:font script="Thai" typeface="Angsana New"/>
-        <a:font script="Ethi" typeface="Nyala"/>
-        <a:font script="Beng" typeface="Vrinda"/>
-        <a:font script="Gujr" typeface="Shruti"/>
-        <a:font script="Khmr" typeface="MoolBoran"/>
-        <a:font script="Knda" typeface="Tunga"/>
-        <a:font script="Guru" typeface="Raavi"/>
-        <a:font script="Cans" typeface="Euphemia"/>
-        <a:font script="Cher" typeface="Plantagenet Cherokee"/>
-        <a:font script="Yiii" typeface="Microsoft Yi Baiti"/>
-        <a:font script="Tibt" typeface="Microsoft Himalaya"/>
-        <a:font script="Thaa" typeface="MV Boli"/>
-        <a:font script="Deva" typeface="Mangal"/>
-        <a:font script="Telu" typeface="Gautami"/>
-        <a:font script="Taml" typeface="Latha"/>
-        <a:font script="Syrc" typeface="Estrangelo Edessa"/>
-        <a:font script="Orya" typeface="Kalinga"/>
-        <a:font script="Mlym" typeface="Kartika"/>
-        <a:font script="Laoo" typeface="DokChampa"/>
-        <a:font script="Sinh" typeface="Iskoola Pota"/>
-        <a:font script="Mong" typeface="Mongolian Baiti"/>
-        <a:font script="Viet" typeface="Times New Roman"/>
-        <a:font script="Uigh" typeface="Microsoft Uighur"/>
-        <a:font script="Geor" typeface="Sylfaen"/>
-      </a:majorFont>
-      <a:minorFont>
-        <a:latin typeface="Arial"/>
-        <a:ea typeface=""/>
-        <a:cs typeface=""/>
-        <a:font script="Jpan" typeface="ＭＳ Ｐゴシック"/>
-        <a:font script="Hang" typeface="맑은 고딕"/>
-        <a:font script="Hans" typeface="宋体"/>
-        <a:font script="Hant" typeface="新細明體"/>
-        <a:font script="Arab" typeface="Arial"/>
-        <a:font script="Hebr" typeface="Arial"/>
-        <a:font script="Thai" typeface="Cordia New"/>
-        <a:font script="Ethi" typeface="Nyala"/>
-        <a:font script="Beng" typeface="Vrinda"/>
-        <a:font script="Gujr" typeface="Shruti"/>
-        <a:font script="Khmr" typeface="DaunPenh"/>
-        <a:font script="Knda" typeface="Tunga"/>
-        <a:font script="Guru" typeface="Raavi"/>
-        <a:font script="Cans" typeface="Euphemia"/>
-        <a:font script="Cher" typeface="Plantagenet Cherokee"/>
-        <a:font script="Yiii" typeface="Microsoft Yi Baiti"/>
-        <a:font script="Tibt" typeface="Microsoft Himalaya"/>
-        <a:font script="Thaa" typeface="MV Boli"/>
-        <a:font script="Deva" typeface="Mangal"/>
-        <a:font script="Telu" typeface="Gautami"/>
-        <a:font script="Taml" typeface="Latha"/>
-        <a:font script="Syrc" typeface="Estrangelo Edessa"/>
-        <a:font script="Orya" typeface="Kalinga"/>
-        <a:font script="Mlym" typeface="Kartika"/>
-        <a:font script="Laoo" typeface="DokChampa"/>
-        <a:font script="Sinh" typeface="Iskoola Pota"/>
-        <a:font script="Mong" typeface="Mongolian Baiti"/>
-        <a:font script="Viet" typeface="Arial"/>
-        <a:font script="Uigh" typeface="Microsoft Uighur"/>
-        <a:font script="Geor" typeface="Sylfaen"/>
-      </a:minorFont>
-    </a:fontScheme>
-    <a:fmtScheme name="Office">
-      <a:fillStyleLst>
-        <a:solidFill>
-          <a:schemeClr val="phClr"/>
-        </a:solidFill>
-        <a:gradFill rotWithShape="1">
-          <a:gsLst>
-            <a:gs pos="0">
-              <a:schemeClr val="phClr">
-                <a:tint val="50000"/>
-                <a:satMod val="300000"/>
-              </a:schemeClr>
-            </a:gs>
-            <a:gs pos="35000">
-              <a:schemeClr val="phClr">
-                <a:tint val="37000"/>
-                <a:satMod val="300000"/>
-              </a:schemeClr>
-            </a:gs>
-            <a:gs pos="100000">
-              <a:schemeClr val="phClr">
-                <a:tint val="15000"/>
-                <a:satMod val="350000"/>
-              </a:schemeClr>
-            </a:gs>
-          </a:gsLst>
-          <a:lin ang="16200000" scaled="1"/>
-        </a:gradFill>
-        <a:gradFill rotWithShape="1">
-          <a:gsLst>
-            <a:gs pos="0">
-              <a:schemeClr val="phClr">
-                <a:tint val="100000"/>
-                <a:shade val="100000"/>
-                <a:satMod val="130000"/>
-              </a:schemeClr>
-            </a:gs>
-            <a:gs pos="100000">
-              <a:schemeClr val="phClr">
-                <a:tint val="50000"/>
-                <a:shade val="100000"/>
-                <a:satMod val="350000"/>
-              </a:schemeClr>
-            </a:gs>
-          </a:gsLst>
-          <a:lin ang="16200000" scaled="0"/>
-        </a:gradFill>
-      </a:fillStyleLst>
-      <a:lnStyleLst>
-        <a:ln w="9525" cap="flat" cmpd="sng" algn="ctr">
-          <a:solidFill>
-            <a:schemeClr val="phClr">
-              <a:shade val="95000"/>
-              <a:satMod val="105000"/>
-            </a:schemeClr>
-          </a:solidFill>
-          <a:prstDash val="solid"/>
-        </a:ln>
-        <a:ln w="25400" cap="flat" cmpd="sng" algn="ctr">
-          <a:solidFill>
-            <a:schemeClr val="phClr"/>
-          </a:solidFill>
-          <a:prstDash val="solid"/>
-        </a:ln>
-        <a:ln w="38100" cap="flat" cmpd="sng" algn="ctr">
-          <a:solidFill>
-            <a:schemeClr val="phClr"/>
-          </a:solidFill>
-          <a:prstDash val="solid"/>
-        </a:ln>
-      </a:lnStyleLst>
-      <a:effectStyleLst>
-        <a:effectStyle>
-          <a:effectLst>
-            <a:outerShdw blurRad="40000" dist="20000" dir="5400000" rotWithShape="0">
-              <a:srgbClr val="000000">
-                <a:alpha val="38000"/>
-              </a:srgbClr>
-            </a:outerShdw>
-          </a:effectLst>
-        </a:effectStyle>
-        <a:effectStyle>
-          <a:effectLst>
-            <a:outerShdw blurRad="40000" dist="23000" dir="5400000" rotWithShape="0">
-              <a:srgbClr val="000000">
-                <a:alpha val="35000"/>
-              </a:srgbClr>
-            </a:outerShdw>
-          </a:effectLst>
-        </a:effectStyle>
-        <a:effectStyle>
-          <a:effectLst>
-            <a:outerShdw blurRad="40000" dist="23000" dir="5400000" rotWithShape="0">
-              <a:srgbClr val="000000">
-                <a:alpha val="35000"/>
-              </a:srgbClr>
-            </a:outerShdw>
-          </a:effectLst>
-          <a:scene3d>
-            <a:camera prst="orthographicFront">
-              <a:rot lat="0" lon="0" rev="0"/>
-            </a:camera>
-            <a:lightRig rig="threePt" dir="t">
-              <a:rot lat="0" lon="0" rev="1200000"/>
-            </a:lightRig>
-          </a:scene3d>
-          <a:sp3d>
-            <a:bevelT w="63500" h="25400"/>
-          </a:sp3d>
-        </a:effectStyle>
-      </a:effectStyleLst>
-      <a:bgFillStyleLst>
-        <a:solidFill>
-          <a:schemeClr val="phClr"/>
-        </a:solidFill>
-        <a:gradFill rotWithShape="1">
-          <a:gsLst>
-            <a:gs pos="0">
-              <a:schemeClr val="phClr">
-                <a:tint val="40000"/>
-                <a:satMod val="350000"/>
-              </a:schemeClr>
-            </a:gs>
-            <a:gs pos="40000">
-              <a:schemeClr val="phClr">
-                <a:tint val="45000"/>
-                <a:shade val="99000"/>
-                <a:satMod val="350000"/>
-              </a:schemeClr>
-            </a:gs>
-            <a:gs pos="100000">
-              <a:schemeClr val="phClr">
-                <a:shade val="20000"/>
-                <a:satMod val="255000"/>
-              </a:schemeClr>
-            </a:gs>
-          </a:gsLst>
-          <a:path path="circle">
-            <a:fillToRect l="50000" t="-80000" r="50000" b="180000"/>
-          </a:path>
-        </a:gradFill>
-        <a:gradFill rotWithShape="1">
-          <a:gsLst>
-            <a:gs pos="0">
-              <a:schemeClr val="phClr">
-                <a:tint val="80000"/>
-                <a:satMod val="300000"/>
-              </a:schemeClr>
-            </a:gs>
-            <a:gs pos="100000">
-              <a:schemeClr val="phClr">
-                <a:shade val="30000"/>
-                <a:satMod val="200000"/>
-              </a:schemeClr>
-            </a:gs>
-          </a:gsLst>
-          <a:path path="circle">
-            <a:fillToRect l="50000" t="50000" r="50000" b="50000"/>
-          </a:path>
-        </a:gradFill>
-      </a:bgFillStyleLst>
-    </a:fmtScheme>
-  </a:themeElements>
-</a:theme>
 </file>